--- a/img/101020600.pptx
+++ b/img/101020600.pptx
@@ -260,7 +260,7 @@
           <a:p>
             <a:fld id="{B3C763E6-A331-421D-8BD6-C5F36AE65CA4}" type="datetimeFigureOut">
               <a:rPr lang="zh-CN" altLang="en-US" smtClean="0"/>
-              <a:t>2018/12/3</a:t>
+              <a:t>2018/12/4</a:t>
             </a:fld>
             <a:endParaRPr lang="zh-CN" altLang="en-US"/>
           </a:p>
@@ -458,7 +458,7 @@
           <a:p>
             <a:fld id="{B3C763E6-A331-421D-8BD6-C5F36AE65CA4}" type="datetimeFigureOut">
               <a:rPr lang="zh-CN" altLang="en-US" smtClean="0"/>
-              <a:t>2018/12/3</a:t>
+              <a:t>2018/12/4</a:t>
             </a:fld>
             <a:endParaRPr lang="zh-CN" altLang="en-US"/>
           </a:p>
@@ -666,7 +666,7 @@
           <a:p>
             <a:fld id="{B3C763E6-A331-421D-8BD6-C5F36AE65CA4}" type="datetimeFigureOut">
               <a:rPr lang="zh-CN" altLang="en-US" smtClean="0"/>
-              <a:t>2018/12/3</a:t>
+              <a:t>2018/12/4</a:t>
             </a:fld>
             <a:endParaRPr lang="zh-CN" altLang="en-US"/>
           </a:p>
@@ -864,7 +864,7 @@
           <a:p>
             <a:fld id="{B3C763E6-A331-421D-8BD6-C5F36AE65CA4}" type="datetimeFigureOut">
               <a:rPr lang="zh-CN" altLang="en-US" smtClean="0"/>
-              <a:t>2018/12/3</a:t>
+              <a:t>2018/12/4</a:t>
             </a:fld>
             <a:endParaRPr lang="zh-CN" altLang="en-US"/>
           </a:p>
@@ -1139,7 +1139,7 @@
           <a:p>
             <a:fld id="{B3C763E6-A331-421D-8BD6-C5F36AE65CA4}" type="datetimeFigureOut">
               <a:rPr lang="zh-CN" altLang="en-US" smtClean="0"/>
-              <a:t>2018/12/3</a:t>
+              <a:t>2018/12/4</a:t>
             </a:fld>
             <a:endParaRPr lang="zh-CN" altLang="en-US"/>
           </a:p>
@@ -1404,7 +1404,7 @@
           <a:p>
             <a:fld id="{B3C763E6-A331-421D-8BD6-C5F36AE65CA4}" type="datetimeFigureOut">
               <a:rPr lang="zh-CN" altLang="en-US" smtClean="0"/>
-              <a:t>2018/12/3</a:t>
+              <a:t>2018/12/4</a:t>
             </a:fld>
             <a:endParaRPr lang="zh-CN" altLang="en-US"/>
           </a:p>
@@ -1816,7 +1816,7 @@
           <a:p>
             <a:fld id="{B3C763E6-A331-421D-8BD6-C5F36AE65CA4}" type="datetimeFigureOut">
               <a:rPr lang="zh-CN" altLang="en-US" smtClean="0"/>
-              <a:t>2018/12/3</a:t>
+              <a:t>2018/12/4</a:t>
             </a:fld>
             <a:endParaRPr lang="zh-CN" altLang="en-US"/>
           </a:p>
@@ -1957,7 +1957,7 @@
           <a:p>
             <a:fld id="{B3C763E6-A331-421D-8BD6-C5F36AE65CA4}" type="datetimeFigureOut">
               <a:rPr lang="zh-CN" altLang="en-US" smtClean="0"/>
-              <a:t>2018/12/3</a:t>
+              <a:t>2018/12/4</a:t>
             </a:fld>
             <a:endParaRPr lang="zh-CN" altLang="en-US"/>
           </a:p>
@@ -2070,7 +2070,7 @@
           <a:p>
             <a:fld id="{B3C763E6-A331-421D-8BD6-C5F36AE65CA4}" type="datetimeFigureOut">
               <a:rPr lang="zh-CN" altLang="en-US" smtClean="0"/>
-              <a:t>2018/12/3</a:t>
+              <a:t>2018/12/4</a:t>
             </a:fld>
             <a:endParaRPr lang="zh-CN" altLang="en-US"/>
           </a:p>
@@ -2381,7 +2381,7 @@
           <a:p>
             <a:fld id="{B3C763E6-A331-421D-8BD6-C5F36AE65CA4}" type="datetimeFigureOut">
               <a:rPr lang="zh-CN" altLang="en-US" smtClean="0"/>
-              <a:t>2018/12/3</a:t>
+              <a:t>2018/12/4</a:t>
             </a:fld>
             <a:endParaRPr lang="zh-CN" altLang="en-US"/>
           </a:p>
@@ -2669,7 +2669,7 @@
           <a:p>
             <a:fld id="{B3C763E6-A331-421D-8BD6-C5F36AE65CA4}" type="datetimeFigureOut">
               <a:rPr lang="zh-CN" altLang="en-US" smtClean="0"/>
-              <a:t>2018/12/3</a:t>
+              <a:t>2018/12/4</a:t>
             </a:fld>
             <a:endParaRPr lang="zh-CN" altLang="en-US"/>
           </a:p>
@@ -2910,7 +2910,7 @@
           <a:p>
             <a:fld id="{B3C763E6-A331-421D-8BD6-C5F36AE65CA4}" type="datetimeFigureOut">
               <a:rPr lang="zh-CN" altLang="en-US" smtClean="0"/>
-              <a:t>2018/12/3</a:t>
+              <a:t>2018/12/4</a:t>
             </a:fld>
             <a:endParaRPr lang="zh-CN" altLang="en-US"/>
           </a:p>
@@ -3355,7 +3355,7 @@
         </p:blipFill>
         <p:spPr>
           <a:xfrm>
-            <a:off x="2584673" y="415316"/>
+            <a:off x="2641823" y="15266"/>
             <a:ext cx="7197225" cy="5397918"/>
           </a:xfrm>
           <a:prstGeom prst="rect">
@@ -3379,13 +3379,13 @@
         </p:nvCxnSpPr>
         <p:spPr>
           <a:xfrm>
-            <a:off x="3366823" y="2720851"/>
+            <a:off x="3423973" y="2320801"/>
             <a:ext cx="1215630" cy="0"/>
           </a:xfrm>
           <a:prstGeom prst="line">
             <a:avLst/>
           </a:prstGeom>
-          <a:ln w="19050" cap="flat" cmpd="sng" algn="ctr">
+          <a:ln w="12700" cap="flat" cmpd="sng" algn="ctr">
             <a:solidFill>
               <a:schemeClr val="accent3"/>
             </a:solidFill>
@@ -3426,13 +3426,13 @@
         </p:nvCxnSpPr>
         <p:spPr>
           <a:xfrm flipV="1">
-            <a:off x="3362602" y="3488208"/>
+            <a:off x="3419752" y="3088158"/>
             <a:ext cx="1219851" cy="20287"/>
           </a:xfrm>
           <a:prstGeom prst="line">
             <a:avLst/>
           </a:prstGeom>
-          <a:ln w="19050" cap="flat" cmpd="sng" algn="ctr">
+          <a:ln w="12700" cap="flat" cmpd="sng" algn="ctr">
             <a:solidFill>
               <a:schemeClr val="accent3"/>
             </a:solidFill>
@@ -3473,13 +3473,13 @@
         </p:nvCxnSpPr>
         <p:spPr>
           <a:xfrm>
-            <a:off x="3366823" y="3248666"/>
+            <a:off x="3423973" y="2848616"/>
             <a:ext cx="1205080" cy="0"/>
           </a:xfrm>
           <a:prstGeom prst="line">
             <a:avLst/>
           </a:prstGeom>
-          <a:ln w="19050" cap="flat" cmpd="sng" algn="ctr">
+          <a:ln w="12700" cap="flat" cmpd="sng" algn="ctr">
             <a:solidFill>
               <a:schemeClr val="accent3"/>
             </a:solidFill>
@@ -3521,13 +3521,13 @@
         </p:nvCxnSpPr>
         <p:spPr>
           <a:xfrm>
-            <a:off x="3362602" y="2981944"/>
+            <a:off x="3419752" y="2581894"/>
             <a:ext cx="1209301" cy="0"/>
           </a:xfrm>
           <a:prstGeom prst="line">
             <a:avLst/>
           </a:prstGeom>
-          <a:ln w="19050" cap="flat" cmpd="sng" algn="ctr">
+          <a:ln w="12700" cap="flat" cmpd="sng" algn="ctr">
             <a:solidFill>
               <a:schemeClr val="accent3"/>
             </a:solidFill>
@@ -3580,7 +3580,7 @@
         </p:blipFill>
         <p:spPr>
           <a:xfrm>
-            <a:off x="2410102" y="2570690"/>
+            <a:off x="2467252" y="2170640"/>
             <a:ext cx="476250" cy="476250"/>
           </a:xfrm>
           <a:prstGeom prst="rect">
@@ -3616,7 +3616,7 @@
         </p:blipFill>
         <p:spPr>
           <a:xfrm>
-            <a:off x="2410102" y="1992802"/>
+            <a:off x="2467252" y="1592752"/>
             <a:ext cx="476250" cy="476250"/>
           </a:xfrm>
           <a:prstGeom prst="rect">
@@ -3652,7 +3652,7 @@
         </p:blipFill>
         <p:spPr>
           <a:xfrm>
-            <a:off x="2410102" y="3706370"/>
+            <a:off x="2467252" y="3306320"/>
             <a:ext cx="476250" cy="476250"/>
           </a:xfrm>
           <a:prstGeom prst="rect">
@@ -3688,7 +3688,7 @@
         </p:blipFill>
         <p:spPr>
           <a:xfrm>
-            <a:off x="2410102" y="3123458"/>
+            <a:off x="2467252" y="2723408"/>
             <a:ext cx="476250" cy="476250"/>
           </a:xfrm>
           <a:prstGeom prst="rect">
@@ -3713,13 +3713,13 @@
         </p:nvCxnSpPr>
         <p:spPr>
           <a:xfrm flipH="1" flipV="1">
-            <a:off x="2886352" y="2230927"/>
-            <a:ext cx="480472" cy="470058"/>
+            <a:off x="2943502" y="1830877"/>
+            <a:ext cx="476250" cy="489924"/>
           </a:xfrm>
           <a:prstGeom prst="line">
             <a:avLst/>
           </a:prstGeom>
-          <a:ln w="19050" cap="flat" cmpd="sng" algn="ctr">
+          <a:ln w="12700" cap="flat" cmpd="sng" algn="ctr">
             <a:solidFill>
               <a:schemeClr val="accent3"/>
             </a:solidFill>
@@ -3761,13 +3761,13 @@
         </p:nvCxnSpPr>
         <p:spPr>
           <a:xfrm flipH="1" flipV="1">
-            <a:off x="2886352" y="2808815"/>
-            <a:ext cx="480472" cy="178368"/>
+            <a:off x="2943502" y="2408765"/>
+            <a:ext cx="476250" cy="173129"/>
           </a:xfrm>
           <a:prstGeom prst="line">
             <a:avLst/>
           </a:prstGeom>
-          <a:ln w="19050" cap="flat" cmpd="sng" algn="ctr">
+          <a:ln w="12700" cap="flat" cmpd="sng" algn="ctr">
             <a:solidFill>
               <a:schemeClr val="accent3"/>
             </a:solidFill>
@@ -3809,13 +3809,13 @@
         </p:nvCxnSpPr>
         <p:spPr>
           <a:xfrm flipH="1">
-            <a:off x="2886352" y="3248666"/>
+            <a:off x="2943502" y="2848616"/>
             <a:ext cx="476250" cy="112917"/>
           </a:xfrm>
           <a:prstGeom prst="line">
             <a:avLst/>
           </a:prstGeom>
-          <a:ln w="19050" cap="flat" cmpd="sng" algn="ctr">
+          <a:ln w="12700" cap="flat" cmpd="sng" algn="ctr">
             <a:solidFill>
               <a:schemeClr val="accent3"/>
             </a:solidFill>
@@ -3857,13 +3857,13 @@
         </p:nvCxnSpPr>
         <p:spPr>
           <a:xfrm flipH="1">
-            <a:off x="2886352" y="3508495"/>
+            <a:off x="2943502" y="3108445"/>
             <a:ext cx="480472" cy="436000"/>
           </a:xfrm>
           <a:prstGeom prst="line">
             <a:avLst/>
           </a:prstGeom>
-          <a:ln w="19050" cap="flat" cmpd="sng" algn="ctr">
+          <a:ln w="12700" cap="flat" cmpd="sng" algn="ctr">
             <a:solidFill>
               <a:schemeClr val="accent3"/>
             </a:solidFill>
@@ -3904,7 +3904,7 @@
         </p:nvSpPr>
         <p:spPr>
           <a:xfrm>
-            <a:off x="4571903" y="2681856"/>
+            <a:off x="4629053" y="2281806"/>
             <a:ext cx="103124" cy="103124"/>
           </a:xfrm>
           <a:prstGeom prst="ellipse">
@@ -3962,7 +3962,7 @@
         </p:nvSpPr>
         <p:spPr>
           <a:xfrm>
-            <a:off x="4571903" y="2930382"/>
+            <a:off x="4629053" y="2530332"/>
             <a:ext cx="103124" cy="103124"/>
           </a:xfrm>
           <a:prstGeom prst="ellipse">
@@ -4020,7 +4020,7 @@
         </p:nvSpPr>
         <p:spPr>
           <a:xfrm>
-            <a:off x="4571903" y="3191748"/>
+            <a:off x="4629053" y="2791698"/>
             <a:ext cx="103124" cy="103124"/>
           </a:xfrm>
           <a:prstGeom prst="ellipse">
@@ -4078,7 +4078,7 @@
         </p:nvSpPr>
         <p:spPr>
           <a:xfrm>
-            <a:off x="4571903" y="3432060"/>
+            <a:off x="4629053" y="3032010"/>
             <a:ext cx="103124" cy="103124"/>
           </a:xfrm>
           <a:prstGeom prst="ellipse">
@@ -4136,13 +4136,13 @@
         </p:nvCxnSpPr>
         <p:spPr>
           <a:xfrm flipV="1">
-            <a:off x="8016730" y="1532153"/>
+            <a:off x="8073880" y="1132103"/>
             <a:ext cx="0" cy="680277"/>
           </a:xfrm>
           <a:prstGeom prst="line">
             <a:avLst/>
           </a:prstGeom>
-          <a:ln w="19050" cap="flat" cmpd="sng" algn="ctr">
+          <a:ln w="12700" cap="flat" cmpd="sng" algn="ctr">
             <a:solidFill>
               <a:schemeClr val="accent3"/>
             </a:solidFill>
@@ -4195,7 +4195,7 @@
         </p:blipFill>
         <p:spPr>
           <a:xfrm>
-            <a:off x="7778605" y="1082921"/>
+            <a:off x="7835755" y="682871"/>
             <a:ext cx="476250" cy="496353"/>
           </a:xfrm>
           <a:prstGeom prst="rect">
@@ -4219,7 +4219,7 @@
         </p:nvSpPr>
         <p:spPr>
           <a:xfrm>
-            <a:off x="7983370" y="2169783"/>
+            <a:off x="8040520" y="1769733"/>
             <a:ext cx="64998" cy="67742"/>
           </a:xfrm>
           <a:prstGeom prst="ellipse">
@@ -4275,7 +4275,7 @@
         </p:nvSpPr>
         <p:spPr>
           <a:xfrm>
-            <a:off x="2346548" y="5002672"/>
+            <a:off x="1908398" y="4602622"/>
             <a:ext cx="4663386" cy="2205732"/>
           </a:xfrm>
           <a:prstGeom prst="rect">
@@ -4462,7 +4462,7 @@
         </p:blipFill>
         <p:spPr>
           <a:xfrm>
-            <a:off x="2143402" y="5397498"/>
+            <a:off x="1705252" y="4997448"/>
             <a:ext cx="266700" cy="266700"/>
           </a:xfrm>
           <a:prstGeom prst="rect">
@@ -4498,7 +4498,7 @@
         </p:blipFill>
         <p:spPr>
           <a:xfrm>
-            <a:off x="2143402" y="5081193"/>
+            <a:off x="1705252" y="4681143"/>
             <a:ext cx="266700" cy="266700"/>
           </a:xfrm>
           <a:prstGeom prst="rect">
@@ -4534,7 +4534,7 @@
         </p:blipFill>
         <p:spPr>
           <a:xfrm>
-            <a:off x="2143402" y="6030111"/>
+            <a:off x="1705252" y="5630061"/>
             <a:ext cx="266700" cy="266700"/>
           </a:xfrm>
           <a:prstGeom prst="rect">
@@ -4570,7 +4570,7 @@
         </p:blipFill>
         <p:spPr>
           <a:xfrm>
-            <a:off x="2143402" y="5713805"/>
+            <a:off x="1705252" y="5313755"/>
             <a:ext cx="266700" cy="266700"/>
           </a:xfrm>
           <a:prstGeom prst="rect">
@@ -4606,7 +4606,7 @@
         </p:blipFill>
         <p:spPr>
           <a:xfrm>
-            <a:off x="7573721" y="5068552"/>
+            <a:off x="6583121" y="4668502"/>
             <a:ext cx="266700" cy="266700"/>
           </a:xfrm>
           <a:prstGeom prst="rect">
@@ -4614,6 +4614,332 @@
           </a:prstGeom>
         </p:spPr>
       </p:pic>
+      <p:cxnSp>
+        <p:nvCxnSpPr>
+          <p:cNvPr id="33" name="直接连接符 32">
+            <a:extLst>
+              <a:ext uri="{FF2B5EF4-FFF2-40B4-BE49-F238E27FC236}">
+                <a16:creationId xmlns:a16="http://schemas.microsoft.com/office/drawing/2014/main" id="{72000759-57AC-4C76-B492-061F33670904}"/>
+              </a:ext>
+            </a:extLst>
+          </p:cNvPr>
+          <p:cNvCxnSpPr>
+            <a:cxnSpLocks/>
+          </p:cNvCxnSpPr>
+          <p:nvPr/>
+        </p:nvCxnSpPr>
+        <p:spPr>
+          <a:xfrm flipV="1">
+            <a:off x="8038655" y="2170640"/>
+            <a:ext cx="658246" cy="533529"/>
+          </a:xfrm>
+          <a:prstGeom prst="line">
+            <a:avLst/>
+          </a:prstGeom>
+          <a:ln w="12700" cap="flat" cmpd="sng" algn="ctr">
+            <a:solidFill>
+              <a:schemeClr val="accent3"/>
+            </a:solidFill>
+            <a:prstDash val="dash"/>
+            <a:round/>
+            <a:headEnd type="none" w="med" len="med"/>
+            <a:tailEnd type="none" w="med" len="med"/>
+          </a:ln>
+        </p:spPr>
+        <p:style>
+          <a:lnRef idx="0">
+            <a:scrgbClr r="0" g="0" b="0"/>
+          </a:lnRef>
+          <a:fillRef idx="0">
+            <a:scrgbClr r="0" g="0" b="0"/>
+          </a:fillRef>
+          <a:effectRef idx="0">
+            <a:scrgbClr r="0" g="0" b="0"/>
+          </a:effectRef>
+          <a:fontRef idx="minor">
+            <a:schemeClr val="tx1"/>
+          </a:fontRef>
+        </p:style>
+      </p:cxnSp>
+      <p:pic>
+        <p:nvPicPr>
+          <p:cNvPr id="34" name="图片 33">
+            <a:extLst>
+              <a:ext uri="{FF2B5EF4-FFF2-40B4-BE49-F238E27FC236}">
+                <a16:creationId xmlns:a16="http://schemas.microsoft.com/office/drawing/2014/main" id="{0A41FE39-B63A-4D14-8280-9610F355EEEB}"/>
+              </a:ext>
+            </a:extLst>
+          </p:cNvPr>
+          <p:cNvPicPr>
+            <a:picLocks noChangeAspect="1"/>
+          </p:cNvPicPr>
+          <p:nvPr/>
+        </p:nvPicPr>
+        <p:blipFill>
+          <a:blip r:embed="rId8">
+            <a:extLst>
+              <a:ext uri="{28A0092B-C50C-407E-A947-70E740481C1C}">
+                <a14:useLocalDpi xmlns:a14="http://schemas.microsoft.com/office/drawing/2010/main" val="0"/>
+              </a:ext>
+            </a:extLst>
+          </a:blip>
+          <a:stretch>
+            <a:fillRect/>
+          </a:stretch>
+        </p:blipFill>
+        <p:spPr>
+          <a:xfrm>
+            <a:off x="9128261" y="1906359"/>
+            <a:ext cx="472059" cy="491985"/>
+          </a:xfrm>
+          <a:prstGeom prst="rect">
+            <a:avLst/>
+          </a:prstGeom>
+        </p:spPr>
+      </p:pic>
+      <p:cxnSp>
+        <p:nvCxnSpPr>
+          <p:cNvPr id="35" name="直接连接符 34">
+            <a:extLst>
+              <a:ext uri="{FF2B5EF4-FFF2-40B4-BE49-F238E27FC236}">
+                <a16:creationId xmlns:a16="http://schemas.microsoft.com/office/drawing/2014/main" id="{21B3F211-844C-489A-BB4A-D287FA0DEEAE}"/>
+              </a:ext>
+            </a:extLst>
+          </p:cNvPr>
+          <p:cNvCxnSpPr>
+            <a:cxnSpLocks/>
+          </p:cNvCxnSpPr>
+          <p:nvPr/>
+        </p:nvCxnSpPr>
+        <p:spPr>
+          <a:xfrm flipV="1">
+            <a:off x="8696901" y="2170640"/>
+            <a:ext cx="449385" cy="1"/>
+          </a:xfrm>
+          <a:prstGeom prst="line">
+            <a:avLst/>
+          </a:prstGeom>
+          <a:ln w="12700">
+            <a:solidFill>
+              <a:schemeClr val="bg1">
+                <a:lumMod val="65000"/>
+              </a:schemeClr>
+            </a:solidFill>
+            <a:prstDash val="dash"/>
+          </a:ln>
+        </p:spPr>
+        <p:style>
+          <a:lnRef idx="1">
+            <a:schemeClr val="accent1"/>
+          </a:lnRef>
+          <a:fillRef idx="0">
+            <a:schemeClr val="accent1"/>
+          </a:fillRef>
+          <a:effectRef idx="0">
+            <a:schemeClr val="accent1"/>
+          </a:effectRef>
+          <a:fontRef idx="minor">
+            <a:schemeClr val="tx1"/>
+          </a:fontRef>
+        </p:style>
+      </p:cxnSp>
+      <p:sp>
+        <p:nvSpPr>
+          <p:cNvPr id="36" name="椭圆 35">
+            <a:extLst>
+              <a:ext uri="{FF2B5EF4-FFF2-40B4-BE49-F238E27FC236}">
+                <a16:creationId xmlns:a16="http://schemas.microsoft.com/office/drawing/2014/main" id="{BC78639D-ECD6-4690-9115-350F932829FC}"/>
+              </a:ext>
+            </a:extLst>
+          </p:cNvPr>
+          <p:cNvSpPr>
+            <a:spLocks noChangeAspect="1"/>
+          </p:cNvSpPr>
+          <p:nvPr/>
+        </p:nvSpPr>
+        <p:spPr>
+          <a:xfrm>
+            <a:off x="7990422" y="2632278"/>
+            <a:ext cx="99675" cy="103882"/>
+          </a:xfrm>
+          <a:prstGeom prst="ellipse">
+            <a:avLst/>
+          </a:prstGeom>
+          <a:solidFill>
+            <a:srgbClr val="FFC000"/>
+          </a:solidFill>
+          <a:ln w="25400">
+            <a:solidFill>
+              <a:schemeClr val="bg1"/>
+            </a:solidFill>
+          </a:ln>
+        </p:spPr>
+        <p:style>
+          <a:lnRef idx="2">
+            <a:schemeClr val="accent1">
+              <a:shade val="50000"/>
+            </a:schemeClr>
+          </a:lnRef>
+          <a:fillRef idx="1">
+            <a:schemeClr val="accent1"/>
+          </a:fillRef>
+          <a:effectRef idx="0">
+            <a:schemeClr val="accent1"/>
+          </a:effectRef>
+          <a:fontRef idx="minor">
+            <a:schemeClr val="lt1"/>
+          </a:fontRef>
+        </p:style>
+        <p:txBody>
+          <a:bodyPr rtlCol="0" anchor="ctr"/>
+          <a:lstStyle/>
+          <a:p>
+            <a:pPr algn="ctr"/>
+            <a:endParaRPr lang="en-US">
+              <a:cs typeface="+mn-ea"/>
+            </a:endParaRPr>
+          </a:p>
+        </p:txBody>
+      </p:sp>
+      <p:pic>
+        <p:nvPicPr>
+          <p:cNvPr id="37" name="图片 36">
+            <a:extLst>
+              <a:ext uri="{FF2B5EF4-FFF2-40B4-BE49-F238E27FC236}">
+                <a16:creationId xmlns:a16="http://schemas.microsoft.com/office/drawing/2014/main" id="{50568BCE-8B6F-48F0-8DBC-CE2D7646AB54}"/>
+              </a:ext>
+            </a:extLst>
+          </p:cNvPr>
+          <p:cNvPicPr>
+            <a:picLocks noChangeAspect="1"/>
+          </p:cNvPicPr>
+          <p:nvPr/>
+        </p:nvPicPr>
+        <p:blipFill>
+          <a:blip r:embed="rId8">
+            <a:extLst>
+              <a:ext uri="{28A0092B-C50C-407E-A947-70E740481C1C}">
+                <a14:useLocalDpi xmlns:a14="http://schemas.microsoft.com/office/drawing/2010/main" val="0"/>
+              </a:ext>
+            </a:extLst>
+          </a:blip>
+          <a:stretch>
+            <a:fillRect/>
+          </a:stretch>
+        </p:blipFill>
+        <p:spPr>
+          <a:xfrm>
+            <a:off x="6583122" y="4997448"/>
+            <a:ext cx="266700" cy="266700"/>
+          </a:xfrm>
+          <a:prstGeom prst="rect">
+            <a:avLst/>
+          </a:prstGeom>
+        </p:spPr>
+      </p:pic>
+      <p:sp>
+        <p:nvSpPr>
+          <p:cNvPr id="38" name="文本框 37">
+            <a:extLst>
+              <a:ext uri="{FF2B5EF4-FFF2-40B4-BE49-F238E27FC236}">
+                <a16:creationId xmlns:a16="http://schemas.microsoft.com/office/drawing/2014/main" id="{64E68B75-D251-45E8-BCBB-7BD7A31B8F11}"/>
+              </a:ext>
+            </a:extLst>
+          </p:cNvPr>
+          <p:cNvSpPr txBox="1"/>
+          <p:nvPr/>
+        </p:nvSpPr>
+        <p:spPr>
+          <a:xfrm>
+            <a:off x="6811721" y="4704834"/>
+            <a:ext cx="4663386" cy="1182375"/>
+          </a:xfrm>
+          <a:prstGeom prst="rect">
+            <a:avLst/>
+          </a:prstGeom>
+          <a:noFill/>
+        </p:spPr>
+        <p:txBody>
+          <a:bodyPr wrap="square" rtlCol="0">
+            <a:spAutoFit/>
+          </a:bodyPr>
+          <a:lstStyle/>
+          <a:p>
+            <a:pPr>
+              <a:lnSpc>
+                <a:spcPts val="1300"/>
+              </a:lnSpc>
+            </a:pPr>
+            <a:r>
+              <a:rPr lang="en-US" sz="1600">
+                <a:latin typeface="Leelawadee UI" panose="020B0502040204020203" pitchFamily="34" charset="-34"/>
+                <a:ea typeface="Microsoft JhengHei Light" panose="020B0304030504040204" pitchFamily="34" charset="-120"/>
+                <a:cs typeface="Leelawadee UI" panose="020B0502040204020203" pitchFamily="34" charset="-34"/>
+              </a:rPr>
+              <a:t>INT: connect to the INT pin of the AK9753</a:t>
+            </a:r>
+            <a:endParaRPr lang="en-US" sz="1600" dirty="0">
+              <a:latin typeface="Leelawadee UI" panose="020B0502040204020203" pitchFamily="34" charset="-34"/>
+              <a:ea typeface="Microsoft JhengHei Light" panose="020B0304030504040204" pitchFamily="34" charset="-120"/>
+              <a:cs typeface="Leelawadee UI" panose="020B0502040204020203" pitchFamily="34" charset="-34"/>
+            </a:endParaRPr>
+          </a:p>
+          <a:p>
+            <a:pPr>
+              <a:lnSpc>
+                <a:spcPts val="1300"/>
+              </a:lnSpc>
+            </a:pPr>
+            <a:endParaRPr lang="en-US" sz="1200">
+              <a:solidFill>
+                <a:srgbClr val="D4D4D4"/>
+              </a:solidFill>
+              <a:latin typeface="Consolas" panose="020B0609020204030204" pitchFamily="49" charset="0"/>
+            </a:endParaRPr>
+          </a:p>
+          <a:p>
+            <a:pPr>
+              <a:lnSpc>
+                <a:spcPts val="1300"/>
+              </a:lnSpc>
+            </a:pPr>
+            <a:r>
+              <a:rPr lang="en-US" sz="1600">
+                <a:latin typeface="Leelawadee UI" panose="020B0502040204020203" pitchFamily="34" charset="-34"/>
+                <a:ea typeface="Microsoft JhengHei Light" panose="020B0304030504040204" pitchFamily="34" charset="-120"/>
+                <a:cs typeface="Leelawadee UI" panose="020B0502040204020203" pitchFamily="34" charset="-34"/>
+              </a:rPr>
+              <a:t>IR Sensor: there are four sensors under the lens</a:t>
+            </a:r>
+            <a:endParaRPr lang="en-US" sz="1600" dirty="0">
+              <a:latin typeface="Leelawadee UI" panose="020B0502040204020203" pitchFamily="34" charset="-34"/>
+              <a:ea typeface="Microsoft JhengHei Light" panose="020B0304030504040204" pitchFamily="34" charset="-120"/>
+              <a:cs typeface="Leelawadee UI" panose="020B0502040204020203" pitchFamily="34" charset="-34"/>
+            </a:endParaRPr>
+          </a:p>
+          <a:p>
+            <a:pPr>
+              <a:lnSpc>
+                <a:spcPts val="1000"/>
+              </a:lnSpc>
+            </a:pPr>
+            <a:endParaRPr lang="en-US" sz="1600" dirty="0">
+              <a:latin typeface="Leelawadee UI" panose="020B0502040204020203" pitchFamily="34" charset="-34"/>
+              <a:ea typeface="Microsoft JhengHei Light" panose="020B0304030504040204" pitchFamily="34" charset="-120"/>
+              <a:cs typeface="Leelawadee UI" panose="020B0502040204020203" pitchFamily="34" charset="-34"/>
+            </a:endParaRPr>
+          </a:p>
+          <a:p>
+            <a:endParaRPr lang="en-US" sz="1200" dirty="0">
+              <a:latin typeface="Times New Roman" panose="02020603050405020304" pitchFamily="18" charset="0"/>
+              <a:cs typeface="Times New Roman" panose="02020603050405020304" pitchFamily="18" charset="0"/>
+            </a:endParaRPr>
+          </a:p>
+          <a:p>
+            <a:endParaRPr lang="en-US" dirty="0"/>
+          </a:p>
+        </p:txBody>
+      </p:sp>
     </p:spTree>
     <p:extLst>
       <p:ext uri="{BB962C8B-B14F-4D97-AF65-F5344CB8AC3E}">
@@ -4672,7 +4998,7 @@
         </p:blipFill>
         <p:spPr>
           <a:xfrm>
-            <a:off x="2767584" y="1657146"/>
+            <a:off x="795124" y="1449755"/>
             <a:ext cx="6656832" cy="4992624"/>
           </a:xfrm>
           <a:prstGeom prst="rect">
@@ -4682,10 +5008,10 @@
       </p:pic>
       <p:sp>
         <p:nvSpPr>
-          <p:cNvPr id="9" name="文本框 8">
-            <a:extLst>
-              <a:ext uri="{FF2B5EF4-FFF2-40B4-BE49-F238E27FC236}">
-                <a16:creationId xmlns:a16="http://schemas.microsoft.com/office/drawing/2014/main" id="{B8D22EFC-DB34-4455-AE67-2ABEAA685514}"/>
+          <p:cNvPr id="10" name="文本框 9">
+            <a:extLst>
+              <a:ext uri="{FF2B5EF4-FFF2-40B4-BE49-F238E27FC236}">
+                <a16:creationId xmlns:a16="http://schemas.microsoft.com/office/drawing/2014/main" id="{5E59E9ED-6812-470A-B276-7DF3B14BF8CD}"/>
               </a:ext>
             </a:extLst>
           </p:cNvPr>
@@ -4694,8 +5020,8 @@
         </p:nvSpPr>
         <p:spPr>
           <a:xfrm>
-            <a:off x="6902796" y="1661545"/>
-            <a:ext cx="1114408" cy="461665"/>
+            <a:off x="2712907" y="839751"/>
+            <a:ext cx="2533452" cy="830997"/>
           </a:xfrm>
           <a:prstGeom prst="rect">
             <a:avLst/>
@@ -4703,21 +5029,30 @@
           <a:noFill/>
         </p:spPr>
         <p:txBody>
-          <a:bodyPr wrap="none" rtlCol="0">
+          <a:bodyPr wrap="square" rtlCol="0">
             <a:spAutoFit/>
           </a:bodyPr>
           <a:lstStyle/>
           <a:p>
             <a:r>
-              <a:rPr lang="en-US" altLang="zh-CN" sz="2400" b="1" dirty="0">
+              <a:rPr lang="en-US" altLang="zh-CN" sz="2400" b="1">
                 <a:solidFill>
                   <a:srgbClr val="A5A5A5"/>
                 </a:solidFill>
-                <a:latin typeface="微软雅黑" panose="020B0503020204020204" pitchFamily="34" charset="-122"/>
+                <a:latin typeface="Arial Black" panose="020B0A04020102020204" pitchFamily="34" charset="0"/>
                 <a:ea typeface="微软雅黑" panose="020B0503020204020204" pitchFamily="34" charset="-122"/>
               </a:rPr>
-              <a:t>0 x 64</a:t>
-            </a:r>
+              <a:t>Default 0 x 64</a:t>
+            </a:r>
+            <a:endParaRPr lang="zh-CN" altLang="en-US" sz="2400" b="1">
+              <a:solidFill>
+                <a:srgbClr val="A5A5A5"/>
+              </a:solidFill>
+              <a:latin typeface="Arial Black" panose="020B0A04020102020204" pitchFamily="34" charset="0"/>
+              <a:ea typeface="微软雅黑" panose="020B0503020204020204" pitchFamily="34" charset="-122"/>
+            </a:endParaRPr>
+          </a:p>
+          <a:p>
             <a:endParaRPr lang="zh-CN" altLang="en-US" sz="2400" b="1" dirty="0">
               <a:solidFill>
                 <a:srgbClr val="A5A5A5"/>
@@ -4728,102 +5063,6 @@
           </a:p>
         </p:txBody>
       </p:sp>
-      <p:sp>
-        <p:nvSpPr>
-          <p:cNvPr id="10" name="文本框 9">
-            <a:extLst>
-              <a:ext uri="{FF2B5EF4-FFF2-40B4-BE49-F238E27FC236}">
-                <a16:creationId xmlns:a16="http://schemas.microsoft.com/office/drawing/2014/main" id="{5E59E9ED-6812-470A-B276-7DF3B14BF8CD}"/>
-              </a:ext>
-            </a:extLst>
-          </p:cNvPr>
-          <p:cNvSpPr txBox="1"/>
-          <p:nvPr/>
-        </p:nvSpPr>
-        <p:spPr>
-          <a:xfrm>
-            <a:off x="6909515" y="2309513"/>
-            <a:ext cx="1114408" cy="461665"/>
-          </a:xfrm>
-          <a:prstGeom prst="rect">
-            <a:avLst/>
-          </a:prstGeom>
-          <a:noFill/>
-        </p:spPr>
-        <p:txBody>
-          <a:bodyPr wrap="none" rtlCol="0">
-            <a:spAutoFit/>
-          </a:bodyPr>
-          <a:lstStyle/>
-          <a:p>
-            <a:r>
-              <a:rPr lang="en-US" altLang="zh-CN" sz="2400" b="1" dirty="0">
-                <a:solidFill>
-                  <a:srgbClr val="A5A5A5"/>
-                </a:solidFill>
-                <a:latin typeface="微软雅黑" panose="020B0503020204020204" pitchFamily="34" charset="-122"/>
-                <a:ea typeface="微软雅黑" panose="020B0503020204020204" pitchFamily="34" charset="-122"/>
-              </a:rPr>
-              <a:t>0 x 64</a:t>
-            </a:r>
-            <a:endParaRPr lang="zh-CN" altLang="en-US" sz="2400" b="1" dirty="0">
-              <a:solidFill>
-                <a:srgbClr val="A5A5A5"/>
-              </a:solidFill>
-              <a:latin typeface="微软雅黑" panose="020B0503020204020204" pitchFamily="34" charset="-122"/>
-              <a:ea typeface="微软雅黑" panose="020B0503020204020204" pitchFamily="34" charset="-122"/>
-            </a:endParaRPr>
-          </a:p>
-        </p:txBody>
-      </p:sp>
-      <p:sp>
-        <p:nvSpPr>
-          <p:cNvPr id="11" name="文本框 10">
-            <a:extLst>
-              <a:ext uri="{FF2B5EF4-FFF2-40B4-BE49-F238E27FC236}">
-                <a16:creationId xmlns:a16="http://schemas.microsoft.com/office/drawing/2014/main" id="{CF65BB1B-5300-4115-9D42-E7C816E205A0}"/>
-              </a:ext>
-            </a:extLst>
-          </p:cNvPr>
-          <p:cNvSpPr txBox="1"/>
-          <p:nvPr/>
-        </p:nvSpPr>
-        <p:spPr>
-          <a:xfrm>
-            <a:off x="8049613" y="2309512"/>
-            <a:ext cx="1329210" cy="461665"/>
-          </a:xfrm>
-          <a:prstGeom prst="rect">
-            <a:avLst/>
-          </a:prstGeom>
-          <a:noFill/>
-        </p:spPr>
-        <p:txBody>
-          <a:bodyPr wrap="none" rtlCol="0">
-            <a:spAutoFit/>
-          </a:bodyPr>
-          <a:lstStyle/>
-          <a:p>
-            <a:r>
-              <a:rPr lang="en-US" altLang="zh-CN" sz="2400" b="1" dirty="0">
-                <a:solidFill>
-                  <a:srgbClr val="A5A5A5"/>
-                </a:solidFill>
-                <a:latin typeface="微软雅黑" panose="020B0503020204020204" pitchFamily="34" charset="-122"/>
-                <a:ea typeface="微软雅黑" panose="020B0503020204020204" pitchFamily="34" charset="-122"/>
-              </a:rPr>
-              <a:t>Default</a:t>
-            </a:r>
-            <a:endParaRPr lang="zh-CN" altLang="en-US" sz="2400" b="1" dirty="0">
-              <a:solidFill>
-                <a:srgbClr val="A5A5A5"/>
-              </a:solidFill>
-              <a:latin typeface="微软雅黑" panose="020B0503020204020204" pitchFamily="34" charset="-122"/>
-              <a:ea typeface="微软雅黑" panose="020B0503020204020204" pitchFamily="34" charset="-122"/>
-            </a:endParaRPr>
-          </a:p>
-        </p:txBody>
-      </p:sp>
       <p:cxnSp>
         <p:nvCxnSpPr>
           <p:cNvPr id="12" name="直接连接符 11">
@@ -4841,8 +5080,8 @@
         </p:nvCxnSpPr>
         <p:spPr>
           <a:xfrm>
-            <a:off x="5164390" y="2748041"/>
-            <a:ext cx="502161" cy="682045"/>
+            <a:off x="3197444" y="2540644"/>
+            <a:ext cx="515697" cy="707451"/>
           </a:xfrm>
           <a:prstGeom prst="line">
             <a:avLst/>
@@ -4850,7 +5089,7 @@
           <a:ln w="19050">
             <a:solidFill>
               <a:schemeClr val="bg1">
-                <a:lumMod val="65000"/>
+                <a:lumMod val="75000"/>
               </a:schemeClr>
             </a:solidFill>
             <a:prstDash val="dash"/>
@@ -4888,8 +5127,8 @@
         </p:nvCxnSpPr>
         <p:spPr>
           <a:xfrm flipH="1">
-            <a:off x="6226015" y="2748041"/>
-            <a:ext cx="498530" cy="682045"/>
+            <a:off x="4256730" y="2540644"/>
+            <a:ext cx="505092" cy="710626"/>
           </a:xfrm>
           <a:prstGeom prst="line">
             <a:avLst/>
@@ -4897,7 +5136,7 @@
           <a:ln w="19050">
             <a:solidFill>
               <a:schemeClr val="bg1">
-                <a:lumMod val="65000"/>
+                <a:lumMod val="75000"/>
               </a:schemeClr>
             </a:solidFill>
             <a:prstDash val="dash"/>
@@ -4918,497 +5157,185 @@
           </a:fontRef>
         </p:style>
       </p:cxnSp>
-      <p:grpSp>
-        <p:nvGrpSpPr>
-          <p:cNvPr id="14" name="组合 13">
-            <a:extLst>
-              <a:ext uri="{FF2B5EF4-FFF2-40B4-BE49-F238E27FC236}">
-                <a16:creationId xmlns:a16="http://schemas.microsoft.com/office/drawing/2014/main" id="{015CC69F-7CA5-453C-BC01-EACEB9D9363C}"/>
-              </a:ext>
-            </a:extLst>
-          </p:cNvPr>
-          <p:cNvGrpSpPr/>
+      <p:sp>
+        <p:nvSpPr>
+          <p:cNvPr id="18" name="矩形 17">
+            <a:extLst>
+              <a:ext uri="{FF2B5EF4-FFF2-40B4-BE49-F238E27FC236}">
+                <a16:creationId xmlns:a16="http://schemas.microsoft.com/office/drawing/2014/main" id="{1FEF57BC-A1C7-433D-AE12-ED8204EF13C2}"/>
+              </a:ext>
+            </a:extLst>
+          </p:cNvPr>
+          <p:cNvSpPr>
+            <a:spLocks noChangeAspect="1"/>
+          </p:cNvSpPr>
           <p:nvPr/>
-        </p:nvGrpSpPr>
-        <p:grpSpPr>
+        </p:nvSpPr>
+        <p:spPr>
+          <a:xfrm rot="16200000">
+            <a:off x="3540479" y="1511390"/>
+            <a:ext cx="286548" cy="250552"/>
+          </a:xfrm>
+          <a:prstGeom prst="rect">
+            <a:avLst/>
+          </a:prstGeom>
+          <a:ln>
+            <a:noFill/>
+          </a:ln>
+        </p:spPr>
+        <p:style>
+          <a:lnRef idx="2">
+            <a:schemeClr val="accent3">
+              <a:shade val="50000"/>
+            </a:schemeClr>
+          </a:lnRef>
+          <a:fillRef idx="1">
+            <a:schemeClr val="accent3"/>
+          </a:fillRef>
+          <a:effectRef idx="0">
+            <a:schemeClr val="accent3"/>
+          </a:effectRef>
+          <a:fontRef idx="minor">
+            <a:schemeClr val="lt1"/>
+          </a:fontRef>
+        </p:style>
+        <p:txBody>
+          <a:bodyPr rtlCol="0" anchor="ctr"/>
+          <a:lstStyle/>
+          <a:p>
+            <a:pPr algn="ctr"/>
+            <a:endParaRPr lang="en-US">
+              <a:cs typeface="+mn-ea"/>
+              <a:sym typeface="+mn-lt"/>
+            </a:endParaRPr>
+          </a:p>
+        </p:txBody>
+      </p:sp>
+      <p:sp>
+        <p:nvSpPr>
+          <p:cNvPr id="21" name="矩形 20">
+            <a:extLst>
+              <a:ext uri="{FF2B5EF4-FFF2-40B4-BE49-F238E27FC236}">
+                <a16:creationId xmlns:a16="http://schemas.microsoft.com/office/drawing/2014/main" id="{A6EAA0D3-6C15-445A-AA4F-214BB3AB30C9}"/>
+              </a:ext>
+            </a:extLst>
+          </p:cNvPr>
+          <p:cNvSpPr>
+            <a:spLocks noChangeAspect="1"/>
+          </p:cNvSpPr>
+          <p:nvPr/>
+        </p:nvSpPr>
+        <p:spPr>
+          <a:xfrm rot="5400000" flipH="1">
+            <a:off x="3741590" y="2094462"/>
+            <a:ext cx="476086" cy="416280"/>
+          </a:xfrm>
+          <a:prstGeom prst="rect">
+            <a:avLst/>
+          </a:prstGeom>
+          <a:ln>
+            <a:noFill/>
+          </a:ln>
+        </p:spPr>
+        <p:style>
+          <a:lnRef idx="2">
+            <a:schemeClr val="accent3">
+              <a:shade val="50000"/>
+            </a:schemeClr>
+          </a:lnRef>
+          <a:fillRef idx="1">
+            <a:schemeClr val="accent3"/>
+          </a:fillRef>
+          <a:effectRef idx="0">
+            <a:schemeClr val="accent3"/>
+          </a:effectRef>
+          <a:fontRef idx="minor">
+            <a:schemeClr val="lt1"/>
+          </a:fontRef>
+        </p:style>
+        <p:txBody>
+          <a:bodyPr rtlCol="0" anchor="ctr"/>
+          <a:lstStyle/>
+          <a:p>
+            <a:pPr algn="ctr"/>
+            <a:endParaRPr lang="en-US">
+              <a:cs typeface="+mn-ea"/>
+              <a:sym typeface="+mn-lt"/>
+            </a:endParaRPr>
+          </a:p>
+        </p:txBody>
+      </p:sp>
+      <p:sp>
+        <p:nvSpPr>
+          <p:cNvPr id="23" name="矩形 22">
+            <a:extLst>
+              <a:ext uri="{FF2B5EF4-FFF2-40B4-BE49-F238E27FC236}">
+                <a16:creationId xmlns:a16="http://schemas.microsoft.com/office/drawing/2014/main" id="{2FFFE8EA-8C1C-4CF7-B8B9-ED3423F43D9F}"/>
+              </a:ext>
+            </a:extLst>
+          </p:cNvPr>
+          <p:cNvSpPr>
+            <a:spLocks noChangeAspect="1"/>
+          </p:cNvSpPr>
+          <p:nvPr/>
+        </p:nvSpPr>
+        <p:spPr>
+          <a:xfrm rot="5400000" flipH="1">
+            <a:off x="3557970" y="2177328"/>
+            <a:ext cx="286548" cy="250552"/>
+          </a:xfrm>
+          <a:prstGeom prst="rect">
+            <a:avLst/>
+          </a:prstGeom>
+          <a:ln>
+            <a:noFill/>
+          </a:ln>
+        </p:spPr>
+        <p:style>
+          <a:lnRef idx="2">
+            <a:schemeClr val="accent3">
+              <a:shade val="50000"/>
+            </a:schemeClr>
+          </a:lnRef>
+          <a:fillRef idx="1">
+            <a:schemeClr val="accent3"/>
+          </a:fillRef>
+          <a:effectRef idx="0">
+            <a:schemeClr val="accent3"/>
+          </a:effectRef>
+          <a:fontRef idx="minor">
+            <a:schemeClr val="lt1"/>
+          </a:fontRef>
+        </p:style>
+        <p:txBody>
+          <a:bodyPr rtlCol="0" anchor="ctr"/>
+          <a:lstStyle/>
+          <a:p>
+            <a:pPr algn="ctr"/>
+            <a:endParaRPr lang="en-US">
+              <a:cs typeface="+mn-ea"/>
+              <a:sym typeface="+mn-lt"/>
+            </a:endParaRPr>
+          </a:p>
+        </p:txBody>
+      </p:sp>
+      <p:sp>
+        <p:nvSpPr>
+          <p:cNvPr id="24" name="椭圆 23">
+            <a:extLst>
+              <a:ext uri="{FF2B5EF4-FFF2-40B4-BE49-F238E27FC236}">
+                <a16:creationId xmlns:a16="http://schemas.microsoft.com/office/drawing/2014/main" id="{9C38707F-9829-45A8-9BD8-96A1548D2B42}"/>
+              </a:ext>
+            </a:extLst>
+          </p:cNvPr>
+          <p:cNvSpPr>
+            <a:spLocks noChangeAspect="1"/>
+          </p:cNvSpPr>
+          <p:nvPr/>
+        </p:nvSpPr>
+        <p:spPr>
           <a:xfrm>
-            <a:off x="5162938" y="1606014"/>
-            <a:ext cx="1564378" cy="476089"/>
-            <a:chOff x="4988822" y="4855728"/>
-            <a:chExt cx="1564378" cy="476089"/>
-          </a:xfrm>
-        </p:grpSpPr>
-        <p:sp>
-          <p:nvSpPr>
-            <p:cNvPr id="15" name="矩形 14">
-              <a:extLst>
-                <a:ext uri="{FF2B5EF4-FFF2-40B4-BE49-F238E27FC236}">
-                  <a16:creationId xmlns:a16="http://schemas.microsoft.com/office/drawing/2014/main" id="{B024DA23-7B20-4A48-9422-9D14213FC8CE}"/>
-                </a:ext>
-              </a:extLst>
-            </p:cNvPr>
-            <p:cNvSpPr>
-              <a:spLocks noChangeAspect="1"/>
-            </p:cNvSpPr>
-            <p:nvPr/>
-          </p:nvSpPr>
-          <p:spPr>
-            <a:xfrm rot="16200000">
-              <a:off x="4958919" y="4885634"/>
-              <a:ext cx="476086" cy="416280"/>
-            </a:xfrm>
-            <a:prstGeom prst="rect">
-              <a:avLst/>
-            </a:prstGeom>
-            <a:ln>
-              <a:noFill/>
-            </a:ln>
-          </p:spPr>
-          <p:style>
-            <a:lnRef idx="2">
-              <a:schemeClr val="accent3">
-                <a:shade val="50000"/>
-              </a:schemeClr>
-            </a:lnRef>
-            <a:fillRef idx="1">
-              <a:schemeClr val="accent3"/>
-            </a:fillRef>
-            <a:effectRef idx="0">
-              <a:schemeClr val="accent3"/>
-            </a:effectRef>
-            <a:fontRef idx="minor">
-              <a:schemeClr val="lt1"/>
-            </a:fontRef>
-          </p:style>
-          <p:txBody>
-            <a:bodyPr rtlCol="0" anchor="ctr"/>
-            <a:lstStyle/>
-            <a:p>
-              <a:pPr algn="ctr"/>
-              <a:endParaRPr lang="en-US">
-                <a:cs typeface="+mn-ea"/>
-                <a:sym typeface="+mn-lt"/>
-              </a:endParaRPr>
-            </a:p>
-          </p:txBody>
-        </p:sp>
-        <p:sp>
-          <p:nvSpPr>
-            <p:cNvPr id="16" name="矩形 15">
-              <a:extLst>
-                <a:ext uri="{FF2B5EF4-FFF2-40B4-BE49-F238E27FC236}">
-                  <a16:creationId xmlns:a16="http://schemas.microsoft.com/office/drawing/2014/main" id="{9A937EB6-445B-44AC-92BD-79B02E757C45}"/>
-                </a:ext>
-              </a:extLst>
-            </p:cNvPr>
-            <p:cNvSpPr>
-              <a:spLocks noChangeAspect="1"/>
-            </p:cNvSpPr>
-            <p:nvPr/>
-          </p:nvSpPr>
-          <p:spPr>
-            <a:xfrm rot="16200000">
-              <a:off x="5532968" y="4885632"/>
-              <a:ext cx="476086" cy="416280"/>
-            </a:xfrm>
-            <a:prstGeom prst="rect">
-              <a:avLst/>
-            </a:prstGeom>
-            <a:ln>
-              <a:noFill/>
-            </a:ln>
-          </p:spPr>
-          <p:style>
-            <a:lnRef idx="2">
-              <a:schemeClr val="accent3">
-                <a:shade val="50000"/>
-              </a:schemeClr>
-            </a:lnRef>
-            <a:fillRef idx="1">
-              <a:schemeClr val="accent3"/>
-            </a:fillRef>
-            <a:effectRef idx="0">
-              <a:schemeClr val="accent3"/>
-            </a:effectRef>
-            <a:fontRef idx="minor">
-              <a:schemeClr val="lt1"/>
-            </a:fontRef>
-          </p:style>
-          <p:txBody>
-            <a:bodyPr rtlCol="0" anchor="ctr"/>
-            <a:lstStyle/>
-            <a:p>
-              <a:pPr algn="ctr"/>
-              <a:endParaRPr lang="en-US">
-                <a:cs typeface="+mn-ea"/>
-                <a:sym typeface="+mn-lt"/>
-              </a:endParaRPr>
-            </a:p>
-          </p:txBody>
-        </p:sp>
-        <p:sp>
-          <p:nvSpPr>
-            <p:cNvPr id="17" name="矩形 16">
-              <a:extLst>
-                <a:ext uri="{FF2B5EF4-FFF2-40B4-BE49-F238E27FC236}">
-                  <a16:creationId xmlns:a16="http://schemas.microsoft.com/office/drawing/2014/main" id="{E7538B14-3826-4DAE-9951-2EFE814DE71B}"/>
-                </a:ext>
-              </a:extLst>
-            </p:cNvPr>
-            <p:cNvSpPr>
-              <a:spLocks noChangeAspect="1"/>
-            </p:cNvSpPr>
-            <p:nvPr/>
-          </p:nvSpPr>
-          <p:spPr>
-            <a:xfrm rot="16200000">
-              <a:off x="6107017" y="4885631"/>
-              <a:ext cx="476086" cy="416280"/>
-            </a:xfrm>
-            <a:prstGeom prst="rect">
-              <a:avLst/>
-            </a:prstGeom>
-            <a:ln>
-              <a:noFill/>
-            </a:ln>
-          </p:spPr>
-          <p:style>
-            <a:lnRef idx="2">
-              <a:schemeClr val="accent3">
-                <a:shade val="50000"/>
-              </a:schemeClr>
-            </a:lnRef>
-            <a:fillRef idx="1">
-              <a:schemeClr val="accent3"/>
-            </a:fillRef>
-            <a:effectRef idx="0">
-              <a:schemeClr val="accent3"/>
-            </a:effectRef>
-            <a:fontRef idx="minor">
-              <a:schemeClr val="lt1"/>
-            </a:fontRef>
-          </p:style>
-          <p:txBody>
-            <a:bodyPr rtlCol="0" anchor="ctr"/>
-            <a:lstStyle/>
-            <a:p>
-              <a:pPr algn="ctr"/>
-              <a:endParaRPr lang="en-US">
-                <a:cs typeface="+mn-ea"/>
-                <a:sym typeface="+mn-lt"/>
-              </a:endParaRPr>
-            </a:p>
-          </p:txBody>
-        </p:sp>
-        <p:sp>
-          <p:nvSpPr>
-            <p:cNvPr id="18" name="矩形 17">
-              <a:extLst>
-                <a:ext uri="{FF2B5EF4-FFF2-40B4-BE49-F238E27FC236}">
-                  <a16:creationId xmlns:a16="http://schemas.microsoft.com/office/drawing/2014/main" id="{1FEF57BC-A1C7-433D-AE12-ED8204EF13C2}"/>
-                </a:ext>
-              </a:extLst>
-            </p:cNvPr>
-            <p:cNvSpPr>
-              <a:spLocks noChangeAspect="1"/>
-            </p:cNvSpPr>
-            <p:nvPr/>
-          </p:nvSpPr>
-          <p:spPr>
-            <a:xfrm rot="16200000">
-              <a:off x="5906126" y="4968498"/>
-              <a:ext cx="286548" cy="250552"/>
-            </a:xfrm>
-            <a:prstGeom prst="rect">
-              <a:avLst/>
-            </a:prstGeom>
-            <a:ln>
-              <a:noFill/>
-            </a:ln>
-          </p:spPr>
-          <p:style>
-            <a:lnRef idx="2">
-              <a:schemeClr val="accent3">
-                <a:shade val="50000"/>
-              </a:schemeClr>
-            </a:lnRef>
-            <a:fillRef idx="1">
-              <a:schemeClr val="accent3"/>
-            </a:fillRef>
-            <a:effectRef idx="0">
-              <a:schemeClr val="accent3"/>
-            </a:effectRef>
-            <a:fontRef idx="minor">
-              <a:schemeClr val="lt1"/>
-            </a:fontRef>
-          </p:style>
-          <p:txBody>
-            <a:bodyPr rtlCol="0" anchor="ctr"/>
-            <a:lstStyle/>
-            <a:p>
-              <a:pPr algn="ctr"/>
-              <a:endParaRPr lang="en-US">
-                <a:cs typeface="+mn-ea"/>
-                <a:sym typeface="+mn-lt"/>
-              </a:endParaRPr>
-            </a:p>
-          </p:txBody>
-        </p:sp>
-      </p:grpSp>
-      <p:grpSp>
-        <p:nvGrpSpPr>
-          <p:cNvPr id="19" name="组合 18">
-            <a:extLst>
-              <a:ext uri="{FF2B5EF4-FFF2-40B4-BE49-F238E27FC236}">
-                <a16:creationId xmlns:a16="http://schemas.microsoft.com/office/drawing/2014/main" id="{382E19CC-CBBE-4B76-B6BE-C69DA3A4815B}"/>
-              </a:ext>
-            </a:extLst>
-          </p:cNvPr>
-          <p:cNvGrpSpPr/>
-          <p:nvPr/>
-        </p:nvGrpSpPr>
-        <p:grpSpPr>
-          <a:xfrm flipH="1">
-            <a:off x="5162938" y="2271949"/>
-            <a:ext cx="1564378" cy="476089"/>
-            <a:chOff x="4988822" y="5617866"/>
-            <a:chExt cx="1564378" cy="476089"/>
-          </a:xfrm>
-        </p:grpSpPr>
-        <p:sp>
-          <p:nvSpPr>
-            <p:cNvPr id="20" name="矩形 19">
-              <a:extLst>
-                <a:ext uri="{FF2B5EF4-FFF2-40B4-BE49-F238E27FC236}">
-                  <a16:creationId xmlns:a16="http://schemas.microsoft.com/office/drawing/2014/main" id="{0F99817F-A3A5-456A-B24A-E146D5440731}"/>
-                </a:ext>
-              </a:extLst>
-            </p:cNvPr>
-            <p:cNvSpPr>
-              <a:spLocks noChangeAspect="1"/>
-            </p:cNvSpPr>
-            <p:nvPr/>
-          </p:nvSpPr>
-          <p:spPr>
-            <a:xfrm rot="16200000">
-              <a:off x="4958919" y="5647772"/>
-              <a:ext cx="476086" cy="416280"/>
-            </a:xfrm>
-            <a:prstGeom prst="rect">
-              <a:avLst/>
-            </a:prstGeom>
-            <a:ln>
-              <a:noFill/>
-            </a:ln>
-          </p:spPr>
-          <p:style>
-            <a:lnRef idx="2">
-              <a:schemeClr val="accent3">
-                <a:shade val="50000"/>
-              </a:schemeClr>
-            </a:lnRef>
-            <a:fillRef idx="1">
-              <a:schemeClr val="accent3"/>
-            </a:fillRef>
-            <a:effectRef idx="0">
-              <a:schemeClr val="accent3"/>
-            </a:effectRef>
-            <a:fontRef idx="minor">
-              <a:schemeClr val="lt1"/>
-            </a:fontRef>
-          </p:style>
-          <p:txBody>
-            <a:bodyPr rtlCol="0" anchor="ctr"/>
-            <a:lstStyle/>
-            <a:p>
-              <a:pPr algn="ctr"/>
-              <a:endParaRPr lang="en-US">
-                <a:cs typeface="+mn-ea"/>
-                <a:sym typeface="+mn-lt"/>
-              </a:endParaRPr>
-            </a:p>
-          </p:txBody>
-        </p:sp>
-        <p:sp>
-          <p:nvSpPr>
-            <p:cNvPr id="21" name="矩形 20">
-              <a:extLst>
-                <a:ext uri="{FF2B5EF4-FFF2-40B4-BE49-F238E27FC236}">
-                  <a16:creationId xmlns:a16="http://schemas.microsoft.com/office/drawing/2014/main" id="{A6EAA0D3-6C15-445A-AA4F-214BB3AB30C9}"/>
-                </a:ext>
-              </a:extLst>
-            </p:cNvPr>
-            <p:cNvSpPr>
-              <a:spLocks noChangeAspect="1"/>
-            </p:cNvSpPr>
-            <p:nvPr/>
-          </p:nvSpPr>
-          <p:spPr>
-            <a:xfrm rot="16200000">
-              <a:off x="5532968" y="5647770"/>
-              <a:ext cx="476086" cy="416280"/>
-            </a:xfrm>
-            <a:prstGeom prst="rect">
-              <a:avLst/>
-            </a:prstGeom>
-            <a:ln>
-              <a:noFill/>
-            </a:ln>
-          </p:spPr>
-          <p:style>
-            <a:lnRef idx="2">
-              <a:schemeClr val="accent3">
-                <a:shade val="50000"/>
-              </a:schemeClr>
-            </a:lnRef>
-            <a:fillRef idx="1">
-              <a:schemeClr val="accent3"/>
-            </a:fillRef>
-            <a:effectRef idx="0">
-              <a:schemeClr val="accent3"/>
-            </a:effectRef>
-            <a:fontRef idx="minor">
-              <a:schemeClr val="lt1"/>
-            </a:fontRef>
-          </p:style>
-          <p:txBody>
-            <a:bodyPr rtlCol="0" anchor="ctr"/>
-            <a:lstStyle/>
-            <a:p>
-              <a:pPr algn="ctr"/>
-              <a:endParaRPr lang="en-US">
-                <a:cs typeface="+mn-ea"/>
-                <a:sym typeface="+mn-lt"/>
-              </a:endParaRPr>
-            </a:p>
-          </p:txBody>
-        </p:sp>
-        <p:sp>
-          <p:nvSpPr>
-            <p:cNvPr id="22" name="矩形 21">
-              <a:extLst>
-                <a:ext uri="{FF2B5EF4-FFF2-40B4-BE49-F238E27FC236}">
-                  <a16:creationId xmlns:a16="http://schemas.microsoft.com/office/drawing/2014/main" id="{53BD8320-F476-4D71-AD4B-19D83CC5C7B5}"/>
-                </a:ext>
-              </a:extLst>
-            </p:cNvPr>
-            <p:cNvSpPr>
-              <a:spLocks noChangeAspect="1"/>
-            </p:cNvSpPr>
-            <p:nvPr/>
-          </p:nvSpPr>
-          <p:spPr>
-            <a:xfrm rot="16200000">
-              <a:off x="6107017" y="5647769"/>
-              <a:ext cx="476086" cy="416280"/>
-            </a:xfrm>
-            <a:prstGeom prst="rect">
-              <a:avLst/>
-            </a:prstGeom>
-            <a:ln>
-              <a:noFill/>
-            </a:ln>
-          </p:spPr>
-          <p:style>
-            <a:lnRef idx="2">
-              <a:schemeClr val="accent3">
-                <a:shade val="50000"/>
-              </a:schemeClr>
-            </a:lnRef>
-            <a:fillRef idx="1">
-              <a:schemeClr val="accent3"/>
-            </a:fillRef>
-            <a:effectRef idx="0">
-              <a:schemeClr val="accent3"/>
-            </a:effectRef>
-            <a:fontRef idx="minor">
-              <a:schemeClr val="lt1"/>
-            </a:fontRef>
-          </p:style>
-          <p:txBody>
-            <a:bodyPr rtlCol="0" anchor="ctr"/>
-            <a:lstStyle/>
-            <a:p>
-              <a:pPr algn="ctr"/>
-              <a:endParaRPr lang="en-US">
-                <a:cs typeface="+mn-ea"/>
-                <a:sym typeface="+mn-lt"/>
-              </a:endParaRPr>
-            </a:p>
-          </p:txBody>
-        </p:sp>
-        <p:sp>
-          <p:nvSpPr>
-            <p:cNvPr id="23" name="矩形 22">
-              <a:extLst>
-                <a:ext uri="{FF2B5EF4-FFF2-40B4-BE49-F238E27FC236}">
-                  <a16:creationId xmlns:a16="http://schemas.microsoft.com/office/drawing/2014/main" id="{2FFFE8EA-8C1C-4CF7-B8B9-ED3423F43D9F}"/>
-                </a:ext>
-              </a:extLst>
-            </p:cNvPr>
-            <p:cNvSpPr>
-              <a:spLocks noChangeAspect="1"/>
-            </p:cNvSpPr>
-            <p:nvPr/>
-          </p:nvSpPr>
-          <p:spPr>
-            <a:xfrm rot="16200000">
-              <a:off x="5906126" y="5730636"/>
-              <a:ext cx="286548" cy="250552"/>
-            </a:xfrm>
-            <a:prstGeom prst="rect">
-              <a:avLst/>
-            </a:prstGeom>
-            <a:ln>
-              <a:noFill/>
-            </a:ln>
-          </p:spPr>
-          <p:style>
-            <a:lnRef idx="2">
-              <a:schemeClr val="accent3">
-                <a:shade val="50000"/>
-              </a:schemeClr>
-            </a:lnRef>
-            <a:fillRef idx="1">
-              <a:schemeClr val="accent3"/>
-            </a:fillRef>
-            <a:effectRef idx="0">
-              <a:schemeClr val="accent3"/>
-            </a:effectRef>
-            <a:fontRef idx="minor">
-              <a:schemeClr val="lt1"/>
-            </a:fontRef>
-          </p:style>
-          <p:txBody>
-            <a:bodyPr rtlCol="0" anchor="ctr"/>
-            <a:lstStyle/>
-            <a:p>
-              <a:pPr algn="ctr"/>
-              <a:endParaRPr lang="en-US">
-                <a:cs typeface="+mn-ea"/>
-                <a:sym typeface="+mn-lt"/>
-              </a:endParaRPr>
-            </a:p>
-          </p:txBody>
-        </p:sp>
-      </p:grpSp>
-      <p:sp>
-        <p:nvSpPr>
-          <p:cNvPr id="24" name="椭圆 23">
-            <a:extLst>
-              <a:ext uri="{FF2B5EF4-FFF2-40B4-BE49-F238E27FC236}">
-                <a16:creationId xmlns:a16="http://schemas.microsoft.com/office/drawing/2014/main" id="{9C38707F-9829-45A8-9BD8-96A1548D2B42}"/>
-              </a:ext>
-            </a:extLst>
-          </p:cNvPr>
-          <p:cNvSpPr>
-            <a:spLocks noChangeAspect="1"/>
-          </p:cNvSpPr>
-          <p:nvPr/>
-        </p:nvSpPr>
-        <p:spPr>
-          <a:xfrm>
-            <a:off x="6140937" y="3415489"/>
+            <a:off x="4171652" y="3236673"/>
             <a:ext cx="99675" cy="99675"/>
           </a:xfrm>
           <a:prstGeom prst="ellipse">
@@ -5466,7 +5393,7 @@
         </p:nvSpPr>
         <p:spPr>
           <a:xfrm>
-            <a:off x="5651954" y="3415489"/>
+            <a:off x="3698544" y="3233498"/>
             <a:ext cx="99675" cy="99675"/>
           </a:xfrm>
           <a:prstGeom prst="ellipse">
@@ -5508,6 +5435,976 @@
           </a:p>
         </p:txBody>
       </p:sp>
+      <p:sp>
+        <p:nvSpPr>
+          <p:cNvPr id="22" name="矩形 21">
+            <a:extLst>
+              <a:ext uri="{FF2B5EF4-FFF2-40B4-BE49-F238E27FC236}">
+                <a16:creationId xmlns:a16="http://schemas.microsoft.com/office/drawing/2014/main" id="{53BD8320-F476-4D71-AD4B-19D83CC5C7B5}"/>
+              </a:ext>
+            </a:extLst>
+          </p:cNvPr>
+          <p:cNvSpPr>
+            <a:spLocks noChangeAspect="1"/>
+          </p:cNvSpPr>
+          <p:nvPr/>
+        </p:nvSpPr>
+        <p:spPr>
+          <a:xfrm rot="5400000" flipH="1">
+            <a:off x="3167541" y="2094461"/>
+            <a:ext cx="476086" cy="416280"/>
+          </a:xfrm>
+          <a:prstGeom prst="rect">
+            <a:avLst/>
+          </a:prstGeom>
+          <a:solidFill>
+            <a:schemeClr val="tx1"/>
+          </a:solidFill>
+          <a:ln>
+            <a:noFill/>
+          </a:ln>
+        </p:spPr>
+        <p:style>
+          <a:lnRef idx="2">
+            <a:schemeClr val="accent3">
+              <a:shade val="50000"/>
+            </a:schemeClr>
+          </a:lnRef>
+          <a:fillRef idx="1">
+            <a:schemeClr val="accent3"/>
+          </a:fillRef>
+          <a:effectRef idx="0">
+            <a:schemeClr val="accent3"/>
+          </a:effectRef>
+          <a:fontRef idx="minor">
+            <a:schemeClr val="lt1"/>
+          </a:fontRef>
+        </p:style>
+        <p:txBody>
+          <a:bodyPr rtlCol="0" anchor="ctr"/>
+          <a:lstStyle/>
+          <a:p>
+            <a:pPr algn="ctr"/>
+            <a:endParaRPr lang="en-US">
+              <a:cs typeface="+mn-ea"/>
+              <a:sym typeface="+mn-lt"/>
+            </a:endParaRPr>
+          </a:p>
+        </p:txBody>
+      </p:sp>
+      <p:sp>
+        <p:nvSpPr>
+          <p:cNvPr id="17" name="矩形 16">
+            <a:extLst>
+              <a:ext uri="{FF2B5EF4-FFF2-40B4-BE49-F238E27FC236}">
+                <a16:creationId xmlns:a16="http://schemas.microsoft.com/office/drawing/2014/main" id="{E7538B14-3826-4DAE-9951-2EFE814DE71B}"/>
+              </a:ext>
+            </a:extLst>
+          </p:cNvPr>
+          <p:cNvSpPr>
+            <a:spLocks noChangeAspect="1"/>
+          </p:cNvSpPr>
+          <p:nvPr/>
+        </p:nvSpPr>
+        <p:spPr>
+          <a:xfrm rot="16200000">
+            <a:off x="4315639" y="1428526"/>
+            <a:ext cx="476086" cy="416280"/>
+          </a:xfrm>
+          <a:prstGeom prst="rect">
+            <a:avLst/>
+          </a:prstGeom>
+          <a:solidFill>
+            <a:srgbClr val="FF0000"/>
+          </a:solidFill>
+          <a:ln>
+            <a:noFill/>
+          </a:ln>
+        </p:spPr>
+        <p:style>
+          <a:lnRef idx="2">
+            <a:schemeClr val="accent3">
+              <a:shade val="50000"/>
+            </a:schemeClr>
+          </a:lnRef>
+          <a:fillRef idx="1">
+            <a:schemeClr val="accent3"/>
+          </a:fillRef>
+          <a:effectRef idx="0">
+            <a:schemeClr val="accent3"/>
+          </a:effectRef>
+          <a:fontRef idx="minor">
+            <a:schemeClr val="lt1"/>
+          </a:fontRef>
+        </p:style>
+        <p:txBody>
+          <a:bodyPr rtlCol="0" anchor="ctr"/>
+          <a:lstStyle/>
+          <a:p>
+            <a:pPr algn="ctr"/>
+            <a:endParaRPr lang="en-US">
+              <a:cs typeface="+mn-ea"/>
+              <a:sym typeface="+mn-lt"/>
+            </a:endParaRPr>
+          </a:p>
+        </p:txBody>
+      </p:sp>
+      <p:sp>
+        <p:nvSpPr>
+          <p:cNvPr id="20" name="矩形 19">
+            <a:extLst>
+              <a:ext uri="{FF2B5EF4-FFF2-40B4-BE49-F238E27FC236}">
+                <a16:creationId xmlns:a16="http://schemas.microsoft.com/office/drawing/2014/main" id="{0F99817F-A3A5-456A-B24A-E146D5440731}"/>
+              </a:ext>
+            </a:extLst>
+          </p:cNvPr>
+          <p:cNvSpPr>
+            <a:spLocks noChangeAspect="1"/>
+          </p:cNvSpPr>
+          <p:nvPr/>
+        </p:nvSpPr>
+        <p:spPr>
+          <a:xfrm rot="5400000" flipH="1">
+            <a:off x="4315639" y="2094464"/>
+            <a:ext cx="476086" cy="416280"/>
+          </a:xfrm>
+          <a:prstGeom prst="rect">
+            <a:avLst/>
+          </a:prstGeom>
+          <a:solidFill>
+            <a:srgbClr val="FF0000"/>
+          </a:solidFill>
+          <a:ln>
+            <a:noFill/>
+          </a:ln>
+        </p:spPr>
+        <p:style>
+          <a:lnRef idx="2">
+            <a:schemeClr val="accent3">
+              <a:shade val="50000"/>
+            </a:schemeClr>
+          </a:lnRef>
+          <a:fillRef idx="1">
+            <a:schemeClr val="accent3"/>
+          </a:fillRef>
+          <a:effectRef idx="0">
+            <a:schemeClr val="accent3"/>
+          </a:effectRef>
+          <a:fontRef idx="minor">
+            <a:schemeClr val="lt1"/>
+          </a:fontRef>
+        </p:style>
+        <p:txBody>
+          <a:bodyPr rtlCol="0" anchor="ctr"/>
+          <a:lstStyle/>
+          <a:p>
+            <a:pPr algn="ctr"/>
+            <a:endParaRPr lang="en-US">
+              <a:cs typeface="+mn-ea"/>
+              <a:sym typeface="+mn-lt"/>
+            </a:endParaRPr>
+          </a:p>
+        </p:txBody>
+      </p:sp>
+      <p:sp>
+        <p:nvSpPr>
+          <p:cNvPr id="15" name="矩形 14">
+            <a:extLst>
+              <a:ext uri="{FF2B5EF4-FFF2-40B4-BE49-F238E27FC236}">
+                <a16:creationId xmlns:a16="http://schemas.microsoft.com/office/drawing/2014/main" id="{B024DA23-7B20-4A48-9422-9D14213FC8CE}"/>
+              </a:ext>
+            </a:extLst>
+          </p:cNvPr>
+          <p:cNvSpPr>
+            <a:spLocks noChangeAspect="1"/>
+          </p:cNvSpPr>
+          <p:nvPr/>
+        </p:nvSpPr>
+        <p:spPr>
+          <a:xfrm rot="16200000">
+            <a:off x="3167541" y="1428529"/>
+            <a:ext cx="476086" cy="416280"/>
+          </a:xfrm>
+          <a:prstGeom prst="rect">
+            <a:avLst/>
+          </a:prstGeom>
+          <a:solidFill>
+            <a:schemeClr val="tx1"/>
+          </a:solidFill>
+          <a:ln>
+            <a:noFill/>
+          </a:ln>
+        </p:spPr>
+        <p:style>
+          <a:lnRef idx="2">
+            <a:schemeClr val="accent3">
+              <a:shade val="50000"/>
+            </a:schemeClr>
+          </a:lnRef>
+          <a:fillRef idx="1">
+            <a:schemeClr val="accent3"/>
+          </a:fillRef>
+          <a:effectRef idx="0">
+            <a:schemeClr val="accent3"/>
+          </a:effectRef>
+          <a:fontRef idx="minor">
+            <a:schemeClr val="lt1"/>
+          </a:fontRef>
+        </p:style>
+        <p:txBody>
+          <a:bodyPr rtlCol="0" anchor="ctr"/>
+          <a:lstStyle/>
+          <a:p>
+            <a:pPr algn="ctr"/>
+            <a:endParaRPr lang="en-US">
+              <a:solidFill>
+                <a:schemeClr val="tx1"/>
+              </a:solidFill>
+              <a:cs typeface="+mn-ea"/>
+              <a:sym typeface="+mn-lt"/>
+            </a:endParaRPr>
+          </a:p>
+        </p:txBody>
+      </p:sp>
+      <p:sp>
+        <p:nvSpPr>
+          <p:cNvPr id="6" name="箭头: 右 5">
+            <a:extLst>
+              <a:ext uri="{FF2B5EF4-FFF2-40B4-BE49-F238E27FC236}">
+                <a16:creationId xmlns:a16="http://schemas.microsoft.com/office/drawing/2014/main" id="{CB6E014A-DA90-4C20-A14A-FABDAEE2BAB0}"/>
+              </a:ext>
+            </a:extLst>
+          </p:cNvPr>
+          <p:cNvSpPr/>
+          <p:nvPr/>
+        </p:nvSpPr>
+        <p:spPr>
+          <a:xfrm>
+            <a:off x="5192442" y="1729117"/>
+            <a:ext cx="919742" cy="379390"/>
+          </a:xfrm>
+          <a:prstGeom prst="rightArrow">
+            <a:avLst/>
+          </a:prstGeom>
+          <a:gradFill flip="none" rotWithShape="1">
+            <a:gsLst>
+              <a:gs pos="0">
+                <a:schemeClr val="tx1"/>
+              </a:gs>
+              <a:gs pos="71000">
+                <a:schemeClr val="tx1">
+                  <a:lumMod val="50000"/>
+                  <a:lumOff val="50000"/>
+                </a:schemeClr>
+              </a:gs>
+              <a:gs pos="35000">
+                <a:schemeClr val="tx1">
+                  <a:lumMod val="50000"/>
+                  <a:lumOff val="50000"/>
+                </a:schemeClr>
+              </a:gs>
+              <a:gs pos="100000">
+                <a:schemeClr val="bg1">
+                  <a:lumMod val="95000"/>
+                </a:schemeClr>
+              </a:gs>
+            </a:gsLst>
+            <a:lin ang="16200000" scaled="1"/>
+            <a:tileRect/>
+          </a:gradFill>
+          <a:ln>
+            <a:noFill/>
+          </a:ln>
+        </p:spPr>
+        <p:style>
+          <a:lnRef idx="0">
+            <a:scrgbClr r="0" g="0" b="0"/>
+          </a:lnRef>
+          <a:fillRef idx="0">
+            <a:scrgbClr r="0" g="0" b="0"/>
+          </a:fillRef>
+          <a:effectRef idx="0">
+            <a:scrgbClr r="0" g="0" b="0"/>
+          </a:effectRef>
+          <a:fontRef idx="minor">
+            <a:schemeClr val="lt1"/>
+          </a:fontRef>
+        </p:style>
+        <p:txBody>
+          <a:bodyPr rtlCol="0" anchor="ctr"/>
+          <a:lstStyle/>
+          <a:p>
+            <a:pPr algn="ctr"/>
+            <a:endParaRPr lang="en-US"/>
+          </a:p>
+        </p:txBody>
+      </p:sp>
+      <p:sp>
+        <p:nvSpPr>
+          <p:cNvPr id="33" name="矩形 32">
+            <a:extLst>
+              <a:ext uri="{FF2B5EF4-FFF2-40B4-BE49-F238E27FC236}">
+                <a16:creationId xmlns:a16="http://schemas.microsoft.com/office/drawing/2014/main" id="{0DE2A99F-A65B-45BB-B5FF-BD4B5EEC310D}"/>
+              </a:ext>
+            </a:extLst>
+          </p:cNvPr>
+          <p:cNvSpPr/>
+          <p:nvPr/>
+        </p:nvSpPr>
+        <p:spPr>
+          <a:xfrm>
+            <a:off x="3748381" y="2064558"/>
+            <a:ext cx="439392" cy="476086"/>
+          </a:xfrm>
+          <a:prstGeom prst="rect">
+            <a:avLst/>
+          </a:prstGeom>
+          <a:solidFill>
+            <a:schemeClr val="bg1">
+              <a:lumMod val="65000"/>
+            </a:schemeClr>
+          </a:solidFill>
+          <a:ln>
+            <a:solidFill>
+              <a:schemeClr val="bg1">
+                <a:lumMod val="65000"/>
+              </a:schemeClr>
+            </a:solidFill>
+          </a:ln>
+        </p:spPr>
+        <p:style>
+          <a:lnRef idx="2">
+            <a:schemeClr val="accent1">
+              <a:shade val="50000"/>
+            </a:schemeClr>
+          </a:lnRef>
+          <a:fillRef idx="1">
+            <a:schemeClr val="accent1"/>
+          </a:fillRef>
+          <a:effectRef idx="0">
+            <a:schemeClr val="accent1"/>
+          </a:effectRef>
+          <a:fontRef idx="minor">
+            <a:schemeClr val="lt1"/>
+          </a:fontRef>
+        </p:style>
+        <p:txBody>
+          <a:bodyPr rtlCol="0" anchor="ctr"/>
+          <a:lstStyle/>
+          <a:p>
+            <a:pPr algn="ctr"/>
+            <a:r>
+              <a:rPr lang="en-US" sz="1000" b="1">
+                <a:latin typeface="Aharoni" panose="02010803020104030203" pitchFamily="2" charset="-79"/>
+                <a:cs typeface="Aharoni" panose="02010803020104030203" pitchFamily="2" charset="-79"/>
+              </a:rPr>
+              <a:t>CAD</a:t>
+            </a:r>
+            <a:r>
+              <a:rPr lang="en-US" sz="1000" b="1"/>
+              <a:t>0</a:t>
+            </a:r>
+          </a:p>
+        </p:txBody>
+      </p:sp>
+      <p:sp>
+        <p:nvSpPr>
+          <p:cNvPr id="34" name="矩形 33">
+            <a:extLst>
+              <a:ext uri="{FF2B5EF4-FFF2-40B4-BE49-F238E27FC236}">
+                <a16:creationId xmlns:a16="http://schemas.microsoft.com/office/drawing/2014/main" id="{E8E6E699-3985-4E8E-B63C-73742FE72CEA}"/>
+              </a:ext>
+            </a:extLst>
+          </p:cNvPr>
+          <p:cNvSpPr/>
+          <p:nvPr/>
+        </p:nvSpPr>
+        <p:spPr>
+          <a:xfrm>
+            <a:off x="3748381" y="1384664"/>
+            <a:ext cx="439392" cy="476086"/>
+          </a:xfrm>
+          <a:prstGeom prst="rect">
+            <a:avLst/>
+          </a:prstGeom>
+          <a:solidFill>
+            <a:schemeClr val="bg1">
+              <a:lumMod val="65000"/>
+            </a:schemeClr>
+          </a:solidFill>
+          <a:ln>
+            <a:solidFill>
+              <a:schemeClr val="bg1">
+                <a:lumMod val="65000"/>
+              </a:schemeClr>
+            </a:solidFill>
+          </a:ln>
+        </p:spPr>
+        <p:style>
+          <a:lnRef idx="2">
+            <a:schemeClr val="accent1">
+              <a:shade val="50000"/>
+            </a:schemeClr>
+          </a:lnRef>
+          <a:fillRef idx="1">
+            <a:schemeClr val="accent1"/>
+          </a:fillRef>
+          <a:effectRef idx="0">
+            <a:schemeClr val="accent1"/>
+          </a:effectRef>
+          <a:fontRef idx="minor">
+            <a:schemeClr val="lt1"/>
+          </a:fontRef>
+        </p:style>
+        <p:txBody>
+          <a:bodyPr rtlCol="0" anchor="ctr"/>
+          <a:lstStyle/>
+          <a:p>
+            <a:pPr algn="ctr"/>
+            <a:r>
+              <a:rPr lang="en-US" sz="1000" b="1">
+                <a:latin typeface="Aharoni" panose="02010803020104030203" pitchFamily="2" charset="-79"/>
+                <a:cs typeface="Aharoni" panose="02010803020104030203" pitchFamily="2" charset="-79"/>
+              </a:rPr>
+              <a:t>CAD</a:t>
+            </a:r>
+            <a:r>
+              <a:rPr lang="en-US" sz="1000" b="1"/>
+              <a:t>1</a:t>
+            </a:r>
+          </a:p>
+        </p:txBody>
+      </p:sp>
+      <p:graphicFrame>
+        <p:nvGraphicFramePr>
+          <p:cNvPr id="36" name="表格 35">
+            <a:extLst>
+              <a:ext uri="{FF2B5EF4-FFF2-40B4-BE49-F238E27FC236}">
+                <a16:creationId xmlns:a16="http://schemas.microsoft.com/office/drawing/2014/main" id="{4F89BA94-49B7-464F-8AE6-FDF37EC6C16F}"/>
+              </a:ext>
+            </a:extLst>
+          </p:cNvPr>
+          <p:cNvGraphicFramePr>
+            <a:graphicFrameLocks noGrp="1"/>
+          </p:cNvGraphicFramePr>
+          <p:nvPr>
+            <p:extLst>
+              <p:ext uri="{D42A27DB-BD31-4B8C-83A1-F6EECF244321}">
+                <p14:modId xmlns:p14="http://schemas.microsoft.com/office/powerpoint/2010/main" val="4158210575"/>
+              </p:ext>
+            </p:extLst>
+          </p:nvPr>
+        </p:nvGraphicFramePr>
+        <p:xfrm>
+          <a:off x="6488640" y="712751"/>
+          <a:ext cx="4891052" cy="2123440"/>
+        </p:xfrm>
+        <a:graphic>
+          <a:graphicData uri="http://schemas.openxmlformats.org/drawingml/2006/table">
+            <a:tbl>
+              <a:tblPr firstRow="1" bandRow="1">
+                <a:tableStyleId>{F5AB1C69-6EDB-4FF4-983F-18BD219EF322}</a:tableStyleId>
+              </a:tblPr>
+              <a:tblGrid>
+                <a:gridCol w="737660">
+                  <a:extLst>
+                    <a:ext uri="{9D8B030D-6E8A-4147-A177-3AD203B41FA5}">
+                      <a16:colId xmlns:a16="http://schemas.microsoft.com/office/drawing/2014/main" val="3894037156"/>
+                    </a:ext>
+                  </a:extLst>
+                </a:gridCol>
+                <a:gridCol w="698500">
+                  <a:extLst>
+                    <a:ext uri="{9D8B030D-6E8A-4147-A177-3AD203B41FA5}">
+                      <a16:colId xmlns:a16="http://schemas.microsoft.com/office/drawing/2014/main" val="3728661269"/>
+                    </a:ext>
+                  </a:extLst>
+                </a:gridCol>
+                <a:gridCol w="1028700">
+                  <a:extLst>
+                    <a:ext uri="{9D8B030D-6E8A-4147-A177-3AD203B41FA5}">
+                      <a16:colId xmlns:a16="http://schemas.microsoft.com/office/drawing/2014/main" val="3412830525"/>
+                    </a:ext>
+                  </a:extLst>
+                </a:gridCol>
+                <a:gridCol w="1358900">
+                  <a:extLst>
+                    <a:ext uri="{9D8B030D-6E8A-4147-A177-3AD203B41FA5}">
+                      <a16:colId xmlns:a16="http://schemas.microsoft.com/office/drawing/2014/main" val="3175726637"/>
+                    </a:ext>
+                  </a:extLst>
+                </a:gridCol>
+                <a:gridCol w="1067292">
+                  <a:extLst>
+                    <a:ext uri="{9D8B030D-6E8A-4147-A177-3AD203B41FA5}">
+                      <a16:colId xmlns:a16="http://schemas.microsoft.com/office/drawing/2014/main" val="2832509660"/>
+                    </a:ext>
+                  </a:extLst>
+                </a:gridCol>
+              </a:tblGrid>
+              <a:tr h="370840">
+                <a:tc>
+                  <a:txBody>
+                    <a:bodyPr/>
+                    <a:lstStyle/>
+                    <a:p>
+                      <a:pPr algn="ctr"/>
+                      <a:r>
+                        <a:rPr lang="en-US"/>
+                        <a:t>CAD1</a:t>
+                      </a:r>
+                    </a:p>
+                  </a:txBody>
+                  <a:tcPr/>
+                </a:tc>
+                <a:tc>
+                  <a:txBody>
+                    <a:bodyPr/>
+                    <a:lstStyle/>
+                    <a:p>
+                      <a:pPr algn="ctr"/>
+                      <a:r>
+                        <a:rPr lang="en-US"/>
+                        <a:t>CAD0</a:t>
+                      </a:r>
+                    </a:p>
+                  </a:txBody>
+                  <a:tcPr/>
+                </a:tc>
+                <a:tc>
+                  <a:txBody>
+                    <a:bodyPr/>
+                    <a:lstStyle/>
+                    <a:p>
+                      <a:pPr algn="ctr"/>
+                      <a:r>
+                        <a:rPr lang="en-US"/>
+                        <a:t>I2C output</a:t>
+                      </a:r>
+                    </a:p>
+                  </a:txBody>
+                  <a:tcPr/>
+                </a:tc>
+                <a:tc>
+                  <a:txBody>
+                    <a:bodyPr/>
+                    <a:lstStyle/>
+                    <a:p>
+                      <a:pPr algn="ctr"/>
+                      <a:r>
+                        <a:rPr lang="en-US"/>
+                        <a:t>Slave address</a:t>
+                      </a:r>
+                    </a:p>
+                  </a:txBody>
+                  <a:tcPr/>
+                </a:tc>
+                <a:tc>
+                  <a:txBody>
+                    <a:bodyPr/>
+                    <a:lstStyle/>
+                    <a:p>
+                      <a:pPr algn="ctr"/>
+                      <a:r>
+                        <a:rPr lang="en-US"/>
+                        <a:t>Mode</a:t>
+                      </a:r>
+                    </a:p>
+                  </a:txBody>
+                  <a:tcPr/>
+                </a:tc>
+                <a:extLst>
+                  <a:ext uri="{0D108BD9-81ED-4DB2-BD59-A6C34878D82A}">
+                    <a16:rowId xmlns:a16="http://schemas.microsoft.com/office/drawing/2014/main" val="1490418966"/>
+                  </a:ext>
+                </a:extLst>
+              </a:tr>
+              <a:tr h="370840">
+                <a:tc>
+                  <a:txBody>
+                    <a:bodyPr/>
+                    <a:lstStyle/>
+                    <a:p>
+                      <a:r>
+                        <a:rPr lang="en-US">
+                          <a:latin typeface="Aharoni" panose="02010803020104030203" pitchFamily="2" charset="-79"/>
+                          <a:cs typeface="Aharoni" panose="02010803020104030203" pitchFamily="2" charset="-79"/>
+                        </a:rPr>
+                        <a:t>L</a:t>
+                      </a:r>
+                    </a:p>
+                  </a:txBody>
+                  <a:tcPr/>
+                </a:tc>
+                <a:tc>
+                  <a:txBody>
+                    <a:bodyPr/>
+                    <a:lstStyle/>
+                    <a:p>
+                      <a:r>
+                        <a:rPr lang="en-US">
+                          <a:latin typeface="Aharoni" panose="02010803020104030203" pitchFamily="2" charset="-79"/>
+                          <a:cs typeface="Aharoni" panose="02010803020104030203" pitchFamily="2" charset="-79"/>
+                        </a:rPr>
+                        <a:t>L</a:t>
+                      </a:r>
+                    </a:p>
+                  </a:txBody>
+                  <a:tcPr/>
+                </a:tc>
+                <a:tc>
+                  <a:txBody>
+                    <a:bodyPr/>
+                    <a:lstStyle/>
+                    <a:p>
+                      <a:r>
+                        <a:rPr lang="en-US">
+                          <a:latin typeface="Aharoni" panose="02010803020104030203" pitchFamily="2" charset="-79"/>
+                          <a:cs typeface="Aharoni" panose="02010803020104030203" pitchFamily="2" charset="-79"/>
+                        </a:rPr>
+                        <a:t>Enable</a:t>
+                      </a:r>
+                    </a:p>
+                  </a:txBody>
+                  <a:tcPr/>
+                </a:tc>
+                <a:tc>
+                  <a:txBody>
+                    <a:bodyPr/>
+                    <a:lstStyle/>
+                    <a:p>
+                      <a:r>
+                        <a:rPr lang="en-US" b="1">
+                          <a:latin typeface="Arial" panose="020B0604020202020204" pitchFamily="34" charset="0"/>
+                          <a:cs typeface="Arial" panose="020B0604020202020204" pitchFamily="34" charset="0"/>
+                        </a:rPr>
+                        <a:t>0X64</a:t>
+                      </a:r>
+                    </a:p>
+                  </a:txBody>
+                  <a:tcPr/>
+                </a:tc>
+                <a:tc>
+                  <a:txBody>
+                    <a:bodyPr/>
+                    <a:lstStyle/>
+                    <a:p>
+                      <a:r>
+                        <a:rPr lang="en-US">
+                          <a:latin typeface="Aharoni" panose="02010803020104030203" pitchFamily="2" charset="-79"/>
+                          <a:cs typeface="Aharoni" panose="02010803020104030203" pitchFamily="2" charset="-79"/>
+                        </a:rPr>
+                        <a:t>Normal</a:t>
+                      </a:r>
+                    </a:p>
+                  </a:txBody>
+                  <a:tcPr/>
+                </a:tc>
+                <a:extLst>
+                  <a:ext uri="{0D108BD9-81ED-4DB2-BD59-A6C34878D82A}">
+                    <a16:rowId xmlns:a16="http://schemas.microsoft.com/office/drawing/2014/main" val="3797199041"/>
+                  </a:ext>
+                </a:extLst>
+              </a:tr>
+              <a:tr h="370840">
+                <a:tc>
+                  <a:txBody>
+                    <a:bodyPr/>
+                    <a:lstStyle/>
+                    <a:p>
+                      <a:r>
+                        <a:rPr lang="en-US">
+                          <a:latin typeface="Aharoni" panose="02010803020104030203" pitchFamily="2" charset="-79"/>
+                          <a:cs typeface="Aharoni" panose="02010803020104030203" pitchFamily="2" charset="-79"/>
+                        </a:rPr>
+                        <a:t>L</a:t>
+                      </a:r>
+                    </a:p>
+                  </a:txBody>
+                  <a:tcPr/>
+                </a:tc>
+                <a:tc>
+                  <a:txBody>
+                    <a:bodyPr/>
+                    <a:lstStyle/>
+                    <a:p>
+                      <a:r>
+                        <a:rPr lang="en-US">
+                          <a:latin typeface="Aharoni" panose="02010803020104030203" pitchFamily="2" charset="-79"/>
+                          <a:cs typeface="Aharoni" panose="02010803020104030203" pitchFamily="2" charset="-79"/>
+                        </a:rPr>
+                        <a:t>H</a:t>
+                      </a:r>
+                    </a:p>
+                  </a:txBody>
+                  <a:tcPr/>
+                </a:tc>
+                <a:tc>
+                  <a:txBody>
+                    <a:bodyPr/>
+                    <a:lstStyle/>
+                    <a:p>
+                      <a:pPr marL="0" marR="0" lvl="0" indent="0" algn="l" defTabSz="914400" rtl="0" eaLnBrk="1" fontAlgn="auto" latinLnBrk="0" hangingPunct="1">
+                        <a:lnSpc>
+                          <a:spcPct val="100000"/>
+                        </a:lnSpc>
+                        <a:spcBef>
+                          <a:spcPts val="0"/>
+                        </a:spcBef>
+                        <a:spcAft>
+                          <a:spcPts val="0"/>
+                        </a:spcAft>
+                        <a:buClrTx/>
+                        <a:buSzTx/>
+                        <a:buFontTx/>
+                        <a:buNone/>
+                        <a:tabLst/>
+                        <a:defRPr/>
+                      </a:pPr>
+                      <a:r>
+                        <a:rPr lang="en-US">
+                          <a:latin typeface="Aharoni" panose="02010803020104030203" pitchFamily="2" charset="-79"/>
+                          <a:cs typeface="Aharoni" panose="02010803020104030203" pitchFamily="2" charset="-79"/>
+                        </a:rPr>
+                        <a:t>Enable</a:t>
+                      </a:r>
+                    </a:p>
+                  </a:txBody>
+                  <a:tcPr/>
+                </a:tc>
+                <a:tc>
+                  <a:txBody>
+                    <a:bodyPr/>
+                    <a:lstStyle/>
+                    <a:p>
+                      <a:r>
+                        <a:rPr lang="en-US" b="1">
+                          <a:latin typeface="Arial" panose="020B0604020202020204" pitchFamily="34" charset="0"/>
+                          <a:cs typeface="Arial" panose="020B0604020202020204" pitchFamily="34" charset="0"/>
+                        </a:rPr>
+                        <a:t>0X65</a:t>
+                      </a:r>
+                    </a:p>
+                  </a:txBody>
+                  <a:tcPr/>
+                </a:tc>
+                <a:tc>
+                  <a:txBody>
+                    <a:bodyPr/>
+                    <a:lstStyle/>
+                    <a:p>
+                      <a:r>
+                        <a:rPr lang="en-US">
+                          <a:latin typeface="Aharoni" panose="02010803020104030203" pitchFamily="2" charset="-79"/>
+                          <a:cs typeface="Aharoni" panose="02010803020104030203" pitchFamily="2" charset="-79"/>
+                        </a:rPr>
+                        <a:t>Normal</a:t>
+                      </a:r>
+                    </a:p>
+                  </a:txBody>
+                  <a:tcPr/>
+                </a:tc>
+                <a:extLst>
+                  <a:ext uri="{0D108BD9-81ED-4DB2-BD59-A6C34878D82A}">
+                    <a16:rowId xmlns:a16="http://schemas.microsoft.com/office/drawing/2014/main" val="1809765875"/>
+                  </a:ext>
+                </a:extLst>
+              </a:tr>
+              <a:tr h="370840">
+                <a:tc>
+                  <a:txBody>
+                    <a:bodyPr/>
+                    <a:lstStyle/>
+                    <a:p>
+                      <a:r>
+                        <a:rPr lang="en-US">
+                          <a:latin typeface="Aharoni" panose="02010803020104030203" pitchFamily="2" charset="-79"/>
+                          <a:cs typeface="Aharoni" panose="02010803020104030203" pitchFamily="2" charset="-79"/>
+                        </a:rPr>
+                        <a:t>H</a:t>
+                      </a:r>
+                    </a:p>
+                  </a:txBody>
+                  <a:tcPr/>
+                </a:tc>
+                <a:tc>
+                  <a:txBody>
+                    <a:bodyPr/>
+                    <a:lstStyle/>
+                    <a:p>
+                      <a:r>
+                        <a:rPr lang="en-US">
+                          <a:latin typeface="Aharoni" panose="02010803020104030203" pitchFamily="2" charset="-79"/>
+                          <a:cs typeface="Aharoni" panose="02010803020104030203" pitchFamily="2" charset="-79"/>
+                        </a:rPr>
+                        <a:t>H</a:t>
+                      </a:r>
+                    </a:p>
+                  </a:txBody>
+                  <a:tcPr/>
+                </a:tc>
+                <a:tc>
+                  <a:txBody>
+                    <a:bodyPr/>
+                    <a:lstStyle/>
+                    <a:p>
+                      <a:pPr marL="0" marR="0" lvl="0" indent="0" algn="l" defTabSz="914400" rtl="0" eaLnBrk="1" fontAlgn="auto" latinLnBrk="0" hangingPunct="1">
+                        <a:lnSpc>
+                          <a:spcPct val="100000"/>
+                        </a:lnSpc>
+                        <a:spcBef>
+                          <a:spcPts val="0"/>
+                        </a:spcBef>
+                        <a:spcAft>
+                          <a:spcPts val="0"/>
+                        </a:spcAft>
+                        <a:buClrTx/>
+                        <a:buSzTx/>
+                        <a:buFontTx/>
+                        <a:buNone/>
+                        <a:tabLst/>
+                        <a:defRPr/>
+                      </a:pPr>
+                      <a:r>
+                        <a:rPr lang="en-US">
+                          <a:latin typeface="Aharoni" panose="02010803020104030203" pitchFamily="2" charset="-79"/>
+                          <a:cs typeface="Aharoni" panose="02010803020104030203" pitchFamily="2" charset="-79"/>
+                        </a:rPr>
+                        <a:t>Enable</a:t>
+                      </a:r>
+                    </a:p>
+                  </a:txBody>
+                  <a:tcPr/>
+                </a:tc>
+                <a:tc>
+                  <a:txBody>
+                    <a:bodyPr/>
+                    <a:lstStyle/>
+                    <a:p>
+                      <a:r>
+                        <a:rPr lang="en-US" b="1">
+                          <a:latin typeface="Arial" panose="020B0604020202020204" pitchFamily="34" charset="0"/>
+                          <a:cs typeface="Arial" panose="020B0604020202020204" pitchFamily="34" charset="0"/>
+                        </a:rPr>
+                        <a:t>0X66</a:t>
+                      </a:r>
+                    </a:p>
+                  </a:txBody>
+                  <a:tcPr/>
+                </a:tc>
+                <a:tc>
+                  <a:txBody>
+                    <a:bodyPr/>
+                    <a:lstStyle/>
+                    <a:p>
+                      <a:r>
+                        <a:rPr lang="en-US">
+                          <a:latin typeface="Aharoni" panose="02010803020104030203" pitchFamily="2" charset="-79"/>
+                          <a:cs typeface="Aharoni" panose="02010803020104030203" pitchFamily="2" charset="-79"/>
+                        </a:rPr>
+                        <a:t>Normal</a:t>
+                      </a:r>
+                    </a:p>
+                  </a:txBody>
+                  <a:tcPr/>
+                </a:tc>
+                <a:extLst>
+                  <a:ext uri="{0D108BD9-81ED-4DB2-BD59-A6C34878D82A}">
+                    <a16:rowId xmlns:a16="http://schemas.microsoft.com/office/drawing/2014/main" val="4119075080"/>
+                  </a:ext>
+                </a:extLst>
+              </a:tr>
+              <a:tr h="370840">
+                <a:tc>
+                  <a:txBody>
+                    <a:bodyPr/>
+                    <a:lstStyle/>
+                    <a:p>
+                      <a:r>
+                        <a:rPr lang="en-US">
+                          <a:latin typeface="Aharoni" panose="02010803020104030203" pitchFamily="2" charset="-79"/>
+                          <a:cs typeface="Aharoni" panose="02010803020104030203" pitchFamily="2" charset="-79"/>
+                        </a:rPr>
+                        <a:t>H</a:t>
+                      </a:r>
+                    </a:p>
+                  </a:txBody>
+                  <a:tcPr/>
+                </a:tc>
+                <a:tc>
+                  <a:txBody>
+                    <a:bodyPr/>
+                    <a:lstStyle/>
+                    <a:p>
+                      <a:r>
+                        <a:rPr lang="en-US">
+                          <a:latin typeface="Aharoni" panose="02010803020104030203" pitchFamily="2" charset="-79"/>
+                          <a:cs typeface="Aharoni" panose="02010803020104030203" pitchFamily="2" charset="-79"/>
+                        </a:rPr>
+                        <a:t>H</a:t>
+                      </a:r>
+                    </a:p>
+                  </a:txBody>
+                  <a:tcPr/>
+                </a:tc>
+                <a:tc>
+                  <a:txBody>
+                    <a:bodyPr/>
+                    <a:lstStyle/>
+                    <a:p>
+                      <a:r>
+                        <a:rPr lang="en-US">
+                          <a:latin typeface="Aharoni" panose="02010803020104030203" pitchFamily="2" charset="-79"/>
+                          <a:cs typeface="Aharoni" panose="02010803020104030203" pitchFamily="2" charset="-79"/>
+                        </a:rPr>
+                        <a:t>Disable</a:t>
+                      </a:r>
+                    </a:p>
+                  </a:txBody>
+                  <a:tcPr/>
+                </a:tc>
+                <a:tc>
+                  <a:txBody>
+                    <a:bodyPr/>
+                    <a:lstStyle/>
+                    <a:p>
+                      <a:r>
+                        <a:rPr lang="en-US">
+                          <a:latin typeface="Aharoni" panose="02010803020104030203" pitchFamily="2" charset="-79"/>
+                          <a:cs typeface="Aharoni" panose="02010803020104030203" pitchFamily="2" charset="-79"/>
+                        </a:rPr>
+                        <a:t>Prohibited</a:t>
+                      </a:r>
+                    </a:p>
+                  </a:txBody>
+                  <a:tcPr/>
+                </a:tc>
+                <a:tc>
+                  <a:txBody>
+                    <a:bodyPr/>
+                    <a:lstStyle/>
+                    <a:p>
+                      <a:r>
+                        <a:rPr lang="en-US">
+                          <a:latin typeface="Aharoni" panose="02010803020104030203" pitchFamily="2" charset="-79"/>
+                          <a:cs typeface="Aharoni" panose="02010803020104030203" pitchFamily="2" charset="-79"/>
+                        </a:rPr>
+                        <a:t>Switch</a:t>
+                      </a:r>
+                    </a:p>
+                  </a:txBody>
+                  <a:tcPr/>
+                </a:tc>
+                <a:extLst>
+                  <a:ext uri="{0D108BD9-81ED-4DB2-BD59-A6C34878D82A}">
+                    <a16:rowId xmlns:a16="http://schemas.microsoft.com/office/drawing/2014/main" val="1546834903"/>
+                  </a:ext>
+                </a:extLst>
+              </a:tr>
+            </a:tbl>
+          </a:graphicData>
+        </a:graphic>
+      </p:graphicFrame>
     </p:spTree>
     <p:extLst>
       <p:ext uri="{BB962C8B-B14F-4D97-AF65-F5344CB8AC3E}">
